--- a/entregables/MyS_TPF_ROMERO.pptx
+++ b/entregables/MyS_TPF_ROMERO.pptx
@@ -16,6 +16,18 @@
     <p:sldId id="264" r:id="rId11"/>
     <p:sldId id="265" r:id="rId12"/>
     <p:sldId id="266" r:id="rId13"/>
+    <p:sldId id="267" r:id="rId14"/>
+    <p:sldId id="268" r:id="rId15"/>
+    <p:sldId id="269" r:id="rId16"/>
+    <p:sldId id="270" r:id="rId17"/>
+    <p:sldId id="271" r:id="rId18"/>
+    <p:sldId id="272" r:id="rId19"/>
+    <p:sldId id="273" r:id="rId20"/>
+    <p:sldId id="274" r:id="rId21"/>
+    <p:sldId id="275" r:id="rId22"/>
+    <p:sldId id="276" r:id="rId23"/>
+    <p:sldId id="277" r:id="rId24"/>
+    <p:sldId id="278" r:id="rId25"/>
   </p:sldIdLst>
   <p:sldSz cx="9144000" cy="5143500"/>
   <p:notesSz cx="7772400" cy="10058400"/>
@@ -53,7 +65,7 @@
         <p:txBody>
           <a:bodyPr/>
           <a:p>
-            <a:fld id="{8460555C-06EC-43E5-860C-4E03F98B739D}" type="slidenum">
+            <a:fld id="{69AA0E26-A19A-44EB-B232-464BE3F4EB01}" type="slidenum">
               <a:t>&lt;#&gt;</a:t>
             </a:fld>
           </a:p>
@@ -200,7 +212,7 @@
         <p:txBody>
           <a:bodyPr/>
           <a:p>
-            <a:fld id="{D47D8B06-2680-4F87-A542-D8855C6100F0}" type="slidenum">
+            <a:fld id="{65E4173D-BF1D-41CA-8222-B7CCEB3BC672}" type="slidenum">
               <a:t>&lt;#&gt;</a:t>
             </a:fld>
           </a:p>
@@ -415,7 +427,7 @@
         <p:txBody>
           <a:bodyPr/>
           <a:p>
-            <a:fld id="{6A498A57-C0F1-494B-9A91-57E077ABE2B3}" type="slidenum">
+            <a:fld id="{B8AC2591-7F7B-4DAB-B4A4-F710DBEF2ECB}" type="slidenum">
               <a:t>&lt;#&gt;</a:t>
             </a:fld>
           </a:p>
@@ -698,7 +710,7 @@
         <p:txBody>
           <a:bodyPr/>
           <a:p>
-            <a:fld id="{7EFDD930-2C91-4BD0-8681-8A08FBA8E3CF}" type="slidenum">
+            <a:fld id="{EE3AC87A-BBCB-4913-B520-1962FAFBFB06}" type="slidenum">
               <a:t>&lt;#&gt;</a:t>
             </a:fld>
           </a:p>
@@ -814,7 +826,7 @@
         <p:txBody>
           <a:bodyPr/>
           <a:p>
-            <a:fld id="{BB235D81-9AD3-4811-AE46-5E5C6D2A61CD}" type="slidenum">
+            <a:fld id="{46DF3D7F-70B8-41BF-A898-33C810E000FC}" type="slidenum">
               <a:t>&lt;#&gt;</a:t>
             </a:fld>
           </a:p>
@@ -927,7 +939,7 @@
         <p:txBody>
           <a:bodyPr/>
           <a:p>
-            <a:fld id="{D3E5707E-8C4E-4D16-93D8-D654CA929224}" type="slidenum">
+            <a:fld id="{C23F3F50-030D-4A39-917D-D67BBA964778}" type="slidenum">
               <a:t>&lt;#&gt;</a:t>
             </a:fld>
           </a:p>
@@ -1074,7 +1086,7 @@
         <p:txBody>
           <a:bodyPr/>
           <a:p>
-            <a:fld id="{C66FC090-475D-4D74-B18E-7D038994CF8F}" type="slidenum">
+            <a:fld id="{B7A5F927-5628-47BB-BB47-0A8720CFFD17}" type="slidenum">
               <a:t>&lt;#&gt;</a:t>
             </a:fld>
           </a:p>
@@ -1153,7 +1165,7 @@
         <p:txBody>
           <a:bodyPr/>
           <a:p>
-            <a:fld id="{0BCA4D36-9442-4393-A1A5-6D975A27850A}" type="slidenum">
+            <a:fld id="{6C3CE958-736B-4E76-A9D7-CAFC6A2D0D57}" type="slidenum">
               <a:t>&lt;#&gt;</a:t>
             </a:fld>
           </a:p>
@@ -1232,7 +1244,7 @@
         <p:txBody>
           <a:bodyPr/>
           <a:p>
-            <a:fld id="{1E98E6B7-7E56-4D77-BFC0-D4BEEE1B6174}" type="slidenum">
+            <a:fld id="{910B6678-A632-4C6A-A187-2A79B0398604}" type="slidenum">
               <a:t>&lt;#&gt;</a:t>
             </a:fld>
           </a:p>
@@ -1413,7 +1425,7 @@
         <p:txBody>
           <a:bodyPr/>
           <a:p>
-            <a:fld id="{467151E3-2CA6-4D2F-B8A9-2C064C8DFFC1}" type="slidenum">
+            <a:fld id="{86276697-21B8-4473-A25A-55979763C108}" type="slidenum">
               <a:t>&lt;#&gt;</a:t>
             </a:fld>
           </a:p>
@@ -1594,7 +1606,7 @@
         <p:txBody>
           <a:bodyPr/>
           <a:p>
-            <a:fld id="{1D8004A9-A7A7-4097-9E92-C3E87BA602C1}" type="slidenum">
+            <a:fld id="{171C64AF-9BCA-4D83-B2A4-D782706660F6}" type="slidenum">
               <a:t>&lt;#&gt;</a:t>
             </a:fld>
           </a:p>
@@ -1775,7 +1787,7 @@
         <p:txBody>
           <a:bodyPr/>
           <a:p>
-            <a:fld id="{8666431E-45C0-4ACB-820F-C039C9E88828}" type="slidenum">
+            <a:fld id="{1392B7A5-2081-442E-BECE-8806525A2473}" type="slidenum">
               <a:t>&lt;#&gt;</a:t>
             </a:fld>
           </a:p>
@@ -1823,7 +1835,7 @@
         <p:spPr>
           <a:xfrm>
             <a:off x="8472600" y="4663080"/>
-            <a:ext cx="542160" cy="387000"/>
+            <a:ext cx="541800" cy="386640"/>
           </a:xfrm>
           <a:prstGeom prst="rect">
             <a:avLst/>
@@ -1865,7 +1877,7 @@
                 <a:tab algn="l" pos="0"/>
               </a:tabLst>
             </a:pPr>
-            <a:fld id="{2BD81BB9-3238-4302-B6B2-CB4D97D0F29E}" type="slidenum">
+            <a:fld id="{8FC30853-E1BE-420F-B196-D4E6E140ED71}" type="slidenum">
               <a:rPr b="0" lang="es" sz="1000" spc="-1" strike="noStrike">
                 <a:solidFill>
                   <a:srgbClr val="595959"/>
@@ -1916,7 +1928,13 @@
               <a:rPr b="0" lang="en-US" sz="4400" spc="-1" strike="noStrike">
                 <a:latin typeface="Arial"/>
               </a:rPr>
-              <a:t>Pulse para editar el formato del texto de título</a:t>
+              <a:t>Pulse para editar el formato del </a:t>
+            </a:r>
+            <a:r>
+              <a:rPr b="0" lang="en-US" sz="4400" spc="-1" strike="noStrike">
+                <a:latin typeface="Arial"/>
+              </a:rPr>
+              <a:t>texto de título</a:t>
             </a:r>
             <a:endParaRPr b="0" lang="en-US" sz="4400" spc="-1" strike="noStrike">
               <a:latin typeface="Arial"/>
@@ -2159,7 +2177,7 @@
         <p:spPr>
           <a:xfrm>
             <a:off x="3600" y="360"/>
-            <a:ext cx="9137520" cy="5137200"/>
+            <a:ext cx="9137160" cy="5136840"/>
           </a:xfrm>
           <a:prstGeom prst="rect">
             <a:avLst/>
@@ -2182,7 +2200,7 @@
         <p:spPr>
           <a:xfrm>
             <a:off x="722880" y="1714680"/>
-            <a:ext cx="7553880" cy="533880"/>
+            <a:ext cx="7553520" cy="533520"/>
           </a:xfrm>
           <a:prstGeom prst="rect">
             <a:avLst/>
@@ -2214,17 +2232,7 @@
                 <a:latin typeface="Arial"/>
                 <a:ea typeface="Arial"/>
               </a:rPr>
-              <a:t>Carrera de Especialización en Sistemas </a:t>
-            </a:r>
-            <a:r>
-              <a:rPr b="0" lang="es" sz="2200" spc="-1" strike="noStrike">
-                <a:solidFill>
-                  <a:srgbClr val="000000"/>
-                </a:solidFill>
-                <a:latin typeface="Arial"/>
-                <a:ea typeface="Arial"/>
-              </a:rPr>
-              <a:t>Embebidos</a:t>
+              <a:t>Carrera de Especialización en Sistemas Embebidos</a:t>
             </a:r>
             <a:endParaRPr b="0" lang="en-US" sz="2200" spc="-1" strike="noStrike">
               <a:latin typeface="Arial"/>
@@ -2245,7 +2253,7 @@
         <p:spPr>
           <a:xfrm>
             <a:off x="2762280" y="128160"/>
-            <a:ext cx="3174840" cy="1128960"/>
+            <a:ext cx="3174480" cy="1128600"/>
           </a:xfrm>
           <a:prstGeom prst="rect">
             <a:avLst/>
@@ -2268,7 +2276,7 @@
         <p:spPr>
           <a:xfrm>
             <a:off x="1600200" y="2743200"/>
-            <a:ext cx="3058920" cy="704160"/>
+            <a:ext cx="3058560" cy="703800"/>
           </a:xfrm>
           <a:prstGeom prst="rect">
             <a:avLst/>
@@ -2300,176 +2308,13 @@
                 <a:latin typeface="Arial"/>
                 <a:ea typeface="Arial"/>
               </a:rPr>
-              <a:t>T</a:t>
-            </a:r>
-            <a:r>
-              <a:rPr b="0" lang="es" sz="2400" spc="-1" strike="noStrike">
-                <a:solidFill>
-                  <a:srgbClr val="000000"/>
-                </a:solidFill>
-                <a:latin typeface="Arial"/>
-                <a:ea typeface="Arial"/>
-              </a:rPr>
-              <a:t>r</a:t>
-            </a:r>
-            <a:r>
-              <a:rPr b="0" lang="es" sz="2400" spc="-1" strike="noStrike">
-                <a:solidFill>
-                  <a:srgbClr val="000000"/>
-                </a:solidFill>
-                <a:latin typeface="Arial"/>
-                <a:ea typeface="Arial"/>
-              </a:rPr>
-              <a:t>a</a:t>
-            </a:r>
-            <a:r>
-              <a:rPr b="0" lang="es" sz="2400" spc="-1" strike="noStrike">
-                <a:solidFill>
-                  <a:srgbClr val="000000"/>
-                </a:solidFill>
-                <a:latin typeface="Arial"/>
-                <a:ea typeface="Arial"/>
-              </a:rPr>
-              <a:t>b</a:t>
-            </a:r>
-            <a:r>
-              <a:rPr b="0" lang="es" sz="2400" spc="-1" strike="noStrike">
-                <a:solidFill>
-                  <a:srgbClr val="000000"/>
-                </a:solidFill>
-                <a:latin typeface="Arial"/>
-                <a:ea typeface="Arial"/>
-              </a:rPr>
-              <a:t>a</a:t>
-            </a:r>
-            <a:r>
-              <a:rPr b="0" lang="es" sz="2400" spc="-1" strike="noStrike">
-                <a:solidFill>
-                  <a:srgbClr val="000000"/>
-                </a:solidFill>
-                <a:latin typeface="Arial"/>
-                <a:ea typeface="Arial"/>
-              </a:rPr>
-              <a:t>j</a:t>
-            </a:r>
-            <a:r>
-              <a:rPr b="0" lang="es" sz="2400" spc="-1" strike="noStrike">
-                <a:solidFill>
-                  <a:srgbClr val="000000"/>
-                </a:solidFill>
-                <a:latin typeface="Arial"/>
-                <a:ea typeface="Arial"/>
-              </a:rPr>
-              <a:t>o</a:t>
-            </a:r>
-            <a:r>
-              <a:rPr b="0" lang="es" sz="2400" spc="-1" strike="noStrike">
-                <a:solidFill>
-                  <a:srgbClr val="000000"/>
-                </a:solidFill>
-                <a:latin typeface="Arial"/>
-                <a:ea typeface="Arial"/>
-              </a:rPr>
-              <a:t> </a:t>
-            </a:r>
-            <a:r>
-              <a:rPr b="0" lang="es" sz="2400" spc="-1" strike="noStrike">
-                <a:solidFill>
-                  <a:srgbClr val="000000"/>
-                </a:solidFill>
-                <a:latin typeface="Arial"/>
-                <a:ea typeface="Arial"/>
-              </a:rPr>
-              <a:t>f</a:t>
-            </a:r>
-            <a:r>
-              <a:rPr b="0" lang="es" sz="2400" spc="-1" strike="noStrike">
-                <a:solidFill>
-                  <a:srgbClr val="000000"/>
-                </a:solidFill>
-                <a:latin typeface="Arial"/>
-                <a:ea typeface="Arial"/>
-              </a:rPr>
-              <a:t>i</a:t>
-            </a:r>
-            <a:r>
-              <a:rPr b="0" lang="es" sz="2400" spc="-1" strike="noStrike">
-                <a:solidFill>
-                  <a:srgbClr val="000000"/>
-                </a:solidFill>
-                <a:latin typeface="Arial"/>
-                <a:ea typeface="Arial"/>
-              </a:rPr>
-              <a:t>n</a:t>
-            </a:r>
-            <a:r>
-              <a:rPr b="0" lang="es" sz="2400" spc="-1" strike="noStrike">
-                <a:solidFill>
-                  <a:srgbClr val="000000"/>
-                </a:solidFill>
-                <a:latin typeface="Arial"/>
-                <a:ea typeface="Arial"/>
-              </a:rPr>
-              <a:t>a</a:t>
-            </a:r>
-            <a:r>
-              <a:rPr b="0" lang="es" sz="2400" spc="-1" strike="noStrike">
-                <a:solidFill>
-                  <a:srgbClr val="000000"/>
-                </a:solidFill>
-                <a:latin typeface="Arial"/>
-                <a:ea typeface="Arial"/>
-              </a:rPr>
-              <a:t>l</a:t>
+              <a:t>Trabajo final</a:t>
             </a:r>
             <a:br>
               <a:rPr sz="2000"/>
             </a:br>
             <a:r>
               <a:rPr b="0" lang="es" sz="2000" spc="-1" strike="noStrike">
-                <a:solidFill>
-                  <a:srgbClr val="000000"/>
-                </a:solidFill>
-                <a:latin typeface="Arial"/>
-                <a:ea typeface="Arial"/>
-              </a:rPr>
-              <a:t>R</a:t>
-            </a:r>
-            <a:r>
-              <a:rPr b="0" lang="es" sz="2000" spc="-1" strike="noStrike">
-                <a:solidFill>
-                  <a:srgbClr val="000000"/>
-                </a:solidFill>
-                <a:latin typeface="Arial"/>
-                <a:ea typeface="Arial"/>
-              </a:rPr>
-              <a:t>a</a:t>
-            </a:r>
-            <a:r>
-              <a:rPr b="0" lang="es" sz="2000" spc="-1" strike="noStrike">
-                <a:solidFill>
-                  <a:srgbClr val="000000"/>
-                </a:solidFill>
-                <a:latin typeface="Arial"/>
-                <a:ea typeface="Arial"/>
-              </a:rPr>
-              <a:t>ú</a:t>
-            </a:r>
-            <a:r>
-              <a:rPr b="0" lang="es" sz="2000" spc="-1" strike="noStrike">
-                <a:solidFill>
-                  <a:srgbClr val="000000"/>
-                </a:solidFill>
-                <a:latin typeface="Arial"/>
-                <a:ea typeface="Arial"/>
-              </a:rPr>
-              <a:t>l</a:t>
-            </a:r>
-            <a:r>
-              <a:rPr b="0" lang="es" sz="2000" spc="-1" strike="noStrike">
-                <a:solidFill>
-                  <a:srgbClr val="000000"/>
-                </a:solidFill>
                 <a:latin typeface="Arial"/>
                 <a:ea typeface="Arial"/>
               </a:rPr>
@@ -2483,57 +2328,7 @@
                 <a:latin typeface="Arial"/>
                 <a:ea typeface="Arial"/>
               </a:rPr>
-              <a:t>R</a:t>
-            </a:r>
-            <a:r>
-              <a:rPr b="0" lang="es" sz="2000" spc="-1" strike="noStrike">
-                <a:solidFill>
-                  <a:srgbClr val="000000"/>
-                </a:solidFill>
-                <a:latin typeface="Arial"/>
-                <a:ea typeface="Arial"/>
-              </a:rPr>
-              <a:t>o</a:t>
-            </a:r>
-            <a:r>
-              <a:rPr b="0" lang="es" sz="2000" spc="-1" strike="noStrike">
-                <a:solidFill>
-                  <a:srgbClr val="000000"/>
-                </a:solidFill>
-                <a:latin typeface="Arial"/>
-                <a:ea typeface="Arial"/>
-              </a:rPr>
-              <a:t>m</a:t>
-            </a:r>
-            <a:r>
-              <a:rPr b="0" lang="es" sz="2000" spc="-1" strike="noStrike">
-                <a:solidFill>
-                  <a:srgbClr val="000000"/>
-                </a:solidFill>
-                <a:latin typeface="Arial"/>
-                <a:ea typeface="Arial"/>
-              </a:rPr>
-              <a:t>e</a:t>
-            </a:r>
-            <a:r>
-              <a:rPr b="0" lang="es" sz="2000" spc="-1" strike="noStrike">
-                <a:solidFill>
-                  <a:srgbClr val="000000"/>
-                </a:solidFill>
-                <a:latin typeface="Arial"/>
-                <a:ea typeface="Arial"/>
-              </a:rPr>
-              <a:t>r</a:t>
-            </a:r>
-            <a:r>
-              <a:rPr b="0" lang="es" sz="2000" spc="-1" strike="noStrike">
-                <a:solidFill>
-                  <a:srgbClr val="000000"/>
-                </a:solidFill>
-                <a:latin typeface="Arial"/>
-                <a:ea typeface="Arial"/>
-              </a:rPr>
-              <a:t>o</a:t>
+              <a:t>Raúl Romero</a:t>
             </a:r>
             <a:endParaRPr b="0" lang="en-US" sz="2000" spc="-1" strike="noStrike">
               <a:latin typeface="Arial"/>
@@ -2554,7 +2349,7 @@
         <p:spPr>
           <a:xfrm>
             <a:off x="685800" y="1379880"/>
-            <a:ext cx="7770960" cy="447480"/>
+            <a:ext cx="7770600" cy="447120"/>
           </a:xfrm>
           <a:prstGeom prst="rect">
             <a:avLst/>
@@ -2607,7 +2402,7 @@
         <p:spPr>
           <a:xfrm>
             <a:off x="8472600" y="4663080"/>
-            <a:ext cx="542160" cy="387000"/>
+            <a:ext cx="541800" cy="386640"/>
           </a:xfrm>
           <a:prstGeom prst="rect">
             <a:avLst/>
@@ -2649,7 +2444,7 @@
                 <a:tab algn="l" pos="0"/>
               </a:tabLst>
             </a:pPr>
-            <a:fld id="{DE05023F-104E-4675-B391-50209CDB58FB}" type="slidenum">
+            <a:fld id="{DEE37E9A-E564-49EE-A4A8-DF2CE964E4F1}" type="slidenum">
               <a:rPr b="0" lang="es" sz="1000" spc="-1" strike="noStrike">
                 <a:solidFill>
                   <a:srgbClr val="595959"/>
@@ -2678,7 +2473,7 @@
         <p:spPr>
           <a:xfrm>
             <a:off x="4572000" y="2399760"/>
-            <a:ext cx="2900880" cy="2171160"/>
+            <a:ext cx="2900520" cy="2170800"/>
           </a:xfrm>
           <a:prstGeom prst="rect">
             <a:avLst/>
@@ -2733,7 +2528,7 @@
         <p:spPr>
           <a:xfrm>
             <a:off x="2520" y="0"/>
-            <a:ext cx="9137520" cy="5137200"/>
+            <a:ext cx="9137160" cy="5136840"/>
           </a:xfrm>
           <a:prstGeom prst="rect">
             <a:avLst/>
@@ -2756,7 +2551,7 @@
         <p:spPr>
           <a:xfrm>
             <a:off x="8472600" y="4663080"/>
-            <a:ext cx="542160" cy="387000"/>
+            <a:ext cx="541800" cy="386640"/>
           </a:xfrm>
           <a:prstGeom prst="rect">
             <a:avLst/>
@@ -2798,7 +2593,7 @@
                 <a:tab algn="l" pos="0"/>
               </a:tabLst>
             </a:pPr>
-            <a:fld id="{051B9C9D-C5CC-4AD7-86D7-F9773CD232F7}" type="slidenum">
+            <a:fld id="{42E8BEE4-F297-48DF-B99E-8D91B61E095D}" type="slidenum">
               <a:rPr b="0" lang="es" sz="1000" spc="-1" strike="noStrike">
                 <a:solidFill>
                   <a:srgbClr val="595959"/>
@@ -2827,7 +2622,7 @@
         <p:spPr>
           <a:xfrm>
             <a:off x="118440" y="108000"/>
-            <a:ext cx="6178680" cy="447480"/>
+            <a:ext cx="6178320" cy="447120"/>
           </a:xfrm>
           <a:prstGeom prst="rect">
             <a:avLst/>
@@ -2879,8 +2674,8 @@
         </p:blipFill>
         <p:spPr>
           <a:xfrm>
-            <a:off x="108000" y="734040"/>
-            <a:ext cx="8914680" cy="3573000"/>
+            <a:off x="108000" y="842040"/>
+            <a:ext cx="8914320" cy="3572640"/>
           </a:xfrm>
           <a:prstGeom prst="rect">
             <a:avLst/>
@@ -2922,7 +2717,7 @@
       </p:grpSpPr>
       <p:pic>
         <p:nvPicPr>
-          <p:cNvPr id="82" name="Google Shape;295;p36" descr=""/>
+          <p:cNvPr id="82" name="Google Shape;65;p 5" descr=""/>
           <p:cNvPicPr/>
           <p:nvPr/>
         </p:nvPicPr>
@@ -2934,8 +2729,8 @@
         </p:blipFill>
         <p:spPr>
           <a:xfrm>
-            <a:off x="0" y="0"/>
-            <a:ext cx="9137520" cy="5137200"/>
+            <a:off x="2520" y="0"/>
+            <a:ext cx="9137160" cy="5136840"/>
           </a:xfrm>
           <a:prstGeom prst="rect">
             <a:avLst/>
@@ -2945,9 +2740,133 @@
           </a:ln>
         </p:spPr>
       </p:pic>
+      <p:sp>
+        <p:nvSpPr>
+          <p:cNvPr id="83" name="PlaceHolder 1"/>
+          <p:cNvSpPr>
+            <a:spLocks noGrp="1"/>
+          </p:cNvSpPr>
+          <p:nvPr>
+            <p:ph type="sldNum" idx="12"/>
+          </p:nvPr>
+        </p:nvSpPr>
+        <p:spPr>
+          <a:xfrm>
+            <a:off x="8472600" y="4663080"/>
+            <a:ext cx="541800" cy="386640"/>
+          </a:xfrm>
+          <a:prstGeom prst="rect">
+            <a:avLst/>
+          </a:prstGeom>
+          <a:noFill/>
+          <a:ln w="0">
+            <a:noFill/>
+          </a:ln>
+        </p:spPr>
+        <p:txBody>
+          <a:bodyPr lIns="90000" rIns="90000" tIns="91440" bIns="91440" anchor="ctr">
+            <a:normAutofit/>
+          </a:bodyPr>
+          <a:lstStyle>
+            <a:lvl1pPr algn="r">
+              <a:lnSpc>
+                <a:spcPct val="100000"/>
+              </a:lnSpc>
+              <a:buNone/>
+              <a:tabLst>
+                <a:tab algn="l" pos="0"/>
+              </a:tabLst>
+              <a:defRPr b="0" lang="es" sz="1000" spc="-1" strike="noStrike">
+                <a:solidFill>
+                  <a:srgbClr val="595959"/>
+                </a:solidFill>
+                <a:latin typeface="Arial"/>
+                <a:ea typeface="Arial"/>
+              </a:defRPr>
+            </a:lvl1pPr>
+          </a:lstStyle>
+          <a:p>
+            <a:pPr algn="r">
+              <a:lnSpc>
+                <a:spcPct val="100000"/>
+              </a:lnSpc>
+              <a:buNone/>
+              <a:tabLst>
+                <a:tab algn="l" pos="0"/>
+              </a:tabLst>
+            </a:pPr>
+            <a:fld id="{2F098079-0AAF-4789-A4D8-1D8F1EE65797}" type="slidenum">
+              <a:rPr b="0" lang="es" sz="1000" spc="-1" strike="noStrike">
+                <a:solidFill>
+                  <a:srgbClr val="595959"/>
+                </a:solidFill>
+                <a:latin typeface="Arial"/>
+                <a:ea typeface="Arial"/>
+              </a:rPr>
+              <a:t>11</a:t>
+            </a:fld>
+            <a:endParaRPr b="0" lang="en-US" sz="1000" spc="-1" strike="noStrike">
+              <a:latin typeface="Times New Roman"/>
+            </a:endParaRPr>
+          </a:p>
+        </p:txBody>
+      </p:sp>
+      <p:sp>
+        <p:nvSpPr>
+          <p:cNvPr id="84" name="PlaceHolder 2"/>
+          <p:cNvSpPr>
+            <a:spLocks noGrp="1"/>
+          </p:cNvSpPr>
+          <p:nvPr>
+            <p:ph type="title"/>
+          </p:nvPr>
+        </p:nvSpPr>
+        <p:spPr>
+          <a:xfrm>
+            <a:off x="118440" y="108000"/>
+            <a:ext cx="6178320" cy="447120"/>
+          </a:xfrm>
+          <a:prstGeom prst="rect">
+            <a:avLst/>
+          </a:prstGeom>
+          <a:noFill/>
+          <a:ln w="0">
+            <a:noFill/>
+          </a:ln>
+        </p:spPr>
+        <p:txBody>
+          <a:bodyPr lIns="0" rIns="0" tIns="91440" bIns="91440" anchor="b">
+            <a:noAutofit/>
+          </a:bodyPr>
+          <a:p>
+            <a:pPr>
+              <a:lnSpc>
+                <a:spcPct val="100000"/>
+              </a:lnSpc>
+              <a:buNone/>
+              <a:tabLst>
+                <a:tab algn="l" pos="0"/>
+              </a:tabLst>
+            </a:pPr>
+            <a:r>
+              <a:rPr b="1" lang="es" sz="2790" spc="-1" strike="noStrike">
+                <a:solidFill>
+                  <a:srgbClr val="595959"/>
+                </a:solidFill>
+                <a:latin typeface="Arial"/>
+                <a:ea typeface="Arial"/>
+              </a:rPr>
+              <a:t>Caracter_detector</a:t>
+            </a:r>
+            <a:endParaRPr b="0" lang="en-US" sz="2790" spc="-1" strike="noStrike">
+              <a:latin typeface="Arial"/>
+            </a:endParaRPr>
+          </a:p>
+        </p:txBody>
+      </p:sp>
       <p:pic>
         <p:nvPicPr>
-          <p:cNvPr id="83" name="Google Shape;296;p36" descr=""/>
+          <p:cNvPr id="85" name="" descr=""/>
           <p:cNvPicPr/>
           <p:nvPr/>
         </p:nvPicPr>
@@ -2957,8 +2876,8 @@
         </p:blipFill>
         <p:spPr>
           <a:xfrm>
-            <a:off x="2304000" y="1191600"/>
-            <a:ext cx="4854240" cy="2726640"/>
+            <a:off x="120600" y="1035000"/>
+            <a:ext cx="8915040" cy="3175200"/>
           </a:xfrm>
           <a:prstGeom prst="rect">
             <a:avLst/>
@@ -2968,20 +2887,75 @@
           </a:ln>
         </p:spPr>
       </p:pic>
-      <p:sp>
-        <p:nvSpPr>
-          <p:cNvPr id="84" name="PlaceHolder 1"/>
-          <p:cNvSpPr>
-            <a:spLocks noGrp="1"/>
-          </p:cNvSpPr>
-          <p:nvPr>
-            <p:ph type="sldNum" idx="12"/>
+    </p:spTree>
+  </p:cSld>
+  <mc:AlternateContent>
+    <mc:Choice Requires="p14">
+      <p:transition spd="slow" p14:dur="2000"/>
+    </mc:Choice>
+    <mc:Fallback>
+      <p:transition spd="slow"/>
+    </mc:Fallback>
+  </mc:AlternateContent>
+</p:sld>
+</file>
+
+<file path=ppt/slides/slide12.xml><?xml version="1.0" encoding="utf-8"?>
+<p:sld xmlns:a="http://schemas.openxmlformats.org/drawingml/2006/main" xmlns:p="http://schemas.openxmlformats.org/presentationml/2006/main" xmlns:r="http://schemas.openxmlformats.org/officeDocument/2006/relationships" xmlns:p14="http://schemas.microsoft.com/office/powerpoint/2010/main" xmlns:p15="http://schemas.microsoft.com/office/powerpoint/2012/main" xmlns:mc="http://schemas.openxmlformats.org/markup-compatibility/2006">
+  <p:cSld>
+    <p:spTree>
+      <p:nvGrpSpPr>
+        <p:cNvPr id="1" name=""/>
+        <p:cNvGrpSpPr/>
+        <p:nvPr/>
+      </p:nvGrpSpPr>
+      <p:grpSpPr>
+        <a:xfrm>
+          <a:off x="0" y="0"/>
+          <a:ext cx="0" cy="0"/>
+          <a:chOff x="0" y="0"/>
+          <a:chExt cx="0" cy="0"/>
+        </a:xfrm>
+      </p:grpSpPr>
+      <p:pic>
+        <p:nvPicPr>
+          <p:cNvPr id="86" name="Google Shape;65;p 7" descr=""/>
+          <p:cNvPicPr/>
+          <p:nvPr/>
+        </p:nvPicPr>
+        <p:blipFill>
+          <a:blip r:embed="rId1">
+            <a:alphaModFix amt="20000"/>
+          </a:blip>
+          <a:stretch/>
+        </p:blipFill>
+        <p:spPr>
+          <a:xfrm>
+            <a:off x="2520" y="0"/>
+            <a:ext cx="9137160" cy="5136840"/>
+          </a:xfrm>
+          <a:prstGeom prst="rect">
+            <a:avLst/>
+          </a:prstGeom>
+          <a:ln w="0">
+            <a:noFill/>
+          </a:ln>
+        </p:spPr>
+      </p:pic>
+      <p:sp>
+        <p:nvSpPr>
+          <p:cNvPr id="87" name="PlaceHolder 1"/>
+          <p:cNvSpPr>
+            <a:spLocks noGrp="1"/>
+          </p:cNvSpPr>
+          <p:nvPr>
+            <p:ph type="sldNum" idx="13"/>
           </p:nvPr>
         </p:nvSpPr>
         <p:spPr>
           <a:xfrm>
             <a:off x="8472600" y="4663080"/>
-            <a:ext cx="542160" cy="387000"/>
+            <a:ext cx="541800" cy="386640"/>
           </a:xfrm>
           <a:prstGeom prst="rect">
             <a:avLst/>
@@ -3023,7 +2997,7 @@
                 <a:tab algn="l" pos="0"/>
               </a:tabLst>
             </a:pPr>
-            <a:fld id="{70DED33A-9984-4645-BACC-2C823A24E9C2}" type="slidenum">
+            <a:fld id="{A2374636-D125-42BB-AA16-9C7BC566871C}" type="slidenum">
               <a:rPr b="0" lang="es" sz="1000" spc="-1" strike="noStrike">
                 <a:solidFill>
                   <a:srgbClr val="595959"/>
@@ -3031,7 +3005,7 @@
                 <a:latin typeface="Arial"/>
                 <a:ea typeface="Arial"/>
               </a:rPr>
-              <a:t>11</a:t>
+              <a:t>12</a:t>
             </a:fld>
             <a:endParaRPr b="0" lang="en-US" sz="1000" spc="-1" strike="noStrike">
               <a:latin typeface="Times New Roman"/>
@@ -3039,6 +3013,1496 @@
           </a:p>
         </p:txBody>
       </p:sp>
+      <p:sp>
+        <p:nvSpPr>
+          <p:cNvPr id="88" name="PlaceHolder 2"/>
+          <p:cNvSpPr>
+            <a:spLocks noGrp="1"/>
+          </p:cNvSpPr>
+          <p:nvPr>
+            <p:ph type="title"/>
+          </p:nvPr>
+        </p:nvSpPr>
+        <p:spPr>
+          <a:xfrm>
+            <a:off x="118440" y="108000"/>
+            <a:ext cx="6178320" cy="447120"/>
+          </a:xfrm>
+          <a:prstGeom prst="rect">
+            <a:avLst/>
+          </a:prstGeom>
+          <a:noFill/>
+          <a:ln w="0">
+            <a:noFill/>
+          </a:ln>
+        </p:spPr>
+        <p:txBody>
+          <a:bodyPr lIns="0" rIns="0" tIns="91440" bIns="91440" anchor="b">
+            <a:noAutofit/>
+          </a:bodyPr>
+          <a:p>
+            <a:pPr>
+              <a:lnSpc>
+                <a:spcPct val="100000"/>
+              </a:lnSpc>
+              <a:buNone/>
+              <a:tabLst>
+                <a:tab algn="l" pos="0"/>
+              </a:tabLst>
+            </a:pPr>
+            <a:r>
+              <a:rPr b="1" lang="es" sz="2790" spc="-1" strike="noStrike">
+                <a:solidFill>
+                  <a:srgbClr val="595959"/>
+                </a:solidFill>
+                <a:latin typeface="Arial"/>
+                <a:ea typeface="Arial"/>
+              </a:rPr>
+              <a:t>Block design</a:t>
+            </a:r>
+            <a:endParaRPr b="0" lang="en-US" sz="2790" spc="-1" strike="noStrike">
+              <a:latin typeface="Arial"/>
+            </a:endParaRPr>
+          </a:p>
+        </p:txBody>
+      </p:sp>
+      <p:pic>
+        <p:nvPicPr>
+          <p:cNvPr id="89" name="" descr=""/>
+          <p:cNvPicPr/>
+          <p:nvPr/>
+        </p:nvPicPr>
+        <p:blipFill>
+          <a:blip r:embed="rId2"/>
+          <a:stretch/>
+        </p:blipFill>
+        <p:spPr>
+          <a:xfrm>
+            <a:off x="300600" y="1002600"/>
+            <a:ext cx="8686800" cy="3041640"/>
+          </a:xfrm>
+          <a:prstGeom prst="rect">
+            <a:avLst/>
+          </a:prstGeom>
+          <a:ln w="0">
+            <a:noFill/>
+          </a:ln>
+        </p:spPr>
+      </p:pic>
+    </p:spTree>
+  </p:cSld>
+  <mc:AlternateContent>
+    <mc:Choice Requires="p14">
+      <p:transition spd="slow" p14:dur="2000"/>
+    </mc:Choice>
+    <mc:Fallback>
+      <p:transition spd="slow"/>
+    </mc:Fallback>
+  </mc:AlternateContent>
+</p:sld>
+</file>
+
+<file path=ppt/slides/slide13.xml><?xml version="1.0" encoding="utf-8"?>
+<p:sld xmlns:a="http://schemas.openxmlformats.org/drawingml/2006/main" xmlns:p="http://schemas.openxmlformats.org/presentationml/2006/main" xmlns:r="http://schemas.openxmlformats.org/officeDocument/2006/relationships" xmlns:p14="http://schemas.microsoft.com/office/powerpoint/2010/main" xmlns:p15="http://schemas.microsoft.com/office/powerpoint/2012/main" xmlns:mc="http://schemas.openxmlformats.org/markup-compatibility/2006">
+  <p:cSld>
+    <p:spTree>
+      <p:nvGrpSpPr>
+        <p:cNvPr id="1" name=""/>
+        <p:cNvGrpSpPr/>
+        <p:nvPr/>
+      </p:nvGrpSpPr>
+      <p:grpSpPr>
+        <a:xfrm>
+          <a:off x="0" y="0"/>
+          <a:ext cx="0" cy="0"/>
+          <a:chOff x="0" y="0"/>
+          <a:chExt cx="0" cy="0"/>
+        </a:xfrm>
+      </p:grpSpPr>
+      <p:pic>
+        <p:nvPicPr>
+          <p:cNvPr id="90" name="Google Shape;65;p 8" descr=""/>
+          <p:cNvPicPr/>
+          <p:nvPr/>
+        </p:nvPicPr>
+        <p:blipFill>
+          <a:blip r:embed="rId1">
+            <a:alphaModFix amt="20000"/>
+          </a:blip>
+          <a:stretch/>
+        </p:blipFill>
+        <p:spPr>
+          <a:xfrm>
+            <a:off x="2520" y="0"/>
+            <a:ext cx="9137160" cy="5136840"/>
+          </a:xfrm>
+          <a:prstGeom prst="rect">
+            <a:avLst/>
+          </a:prstGeom>
+          <a:ln w="0">
+            <a:noFill/>
+          </a:ln>
+        </p:spPr>
+      </p:pic>
+      <p:sp>
+        <p:nvSpPr>
+          <p:cNvPr id="91" name="PlaceHolder 1"/>
+          <p:cNvSpPr>
+            <a:spLocks noGrp="1"/>
+          </p:cNvSpPr>
+          <p:nvPr>
+            <p:ph type="sldNum" idx="14"/>
+          </p:nvPr>
+        </p:nvSpPr>
+        <p:spPr>
+          <a:xfrm>
+            <a:off x="8472600" y="4663080"/>
+            <a:ext cx="541800" cy="386640"/>
+          </a:xfrm>
+          <a:prstGeom prst="rect">
+            <a:avLst/>
+          </a:prstGeom>
+          <a:noFill/>
+          <a:ln w="0">
+            <a:noFill/>
+          </a:ln>
+        </p:spPr>
+        <p:txBody>
+          <a:bodyPr lIns="90000" rIns="90000" tIns="91440" bIns="91440" anchor="ctr">
+            <a:normAutofit/>
+          </a:bodyPr>
+          <a:lstStyle>
+            <a:lvl1pPr algn="r">
+              <a:lnSpc>
+                <a:spcPct val="100000"/>
+              </a:lnSpc>
+              <a:buNone/>
+              <a:tabLst>
+                <a:tab algn="l" pos="0"/>
+              </a:tabLst>
+              <a:defRPr b="0" lang="es" sz="1000" spc="-1" strike="noStrike">
+                <a:solidFill>
+                  <a:srgbClr val="595959"/>
+                </a:solidFill>
+                <a:latin typeface="Arial"/>
+                <a:ea typeface="Arial"/>
+              </a:defRPr>
+            </a:lvl1pPr>
+          </a:lstStyle>
+          <a:p>
+            <a:pPr algn="r">
+              <a:lnSpc>
+                <a:spcPct val="100000"/>
+              </a:lnSpc>
+              <a:buNone/>
+              <a:tabLst>
+                <a:tab algn="l" pos="0"/>
+              </a:tabLst>
+            </a:pPr>
+            <a:fld id="{7ACBB063-C0CB-44A3-BC24-F4F55F0B312C}" type="slidenum">
+              <a:rPr b="0" lang="es" sz="1000" spc="-1" strike="noStrike">
+                <a:solidFill>
+                  <a:srgbClr val="595959"/>
+                </a:solidFill>
+                <a:latin typeface="Arial"/>
+                <a:ea typeface="Arial"/>
+              </a:rPr>
+              <a:t>13</a:t>
+            </a:fld>
+            <a:endParaRPr b="0" lang="en-US" sz="1000" spc="-1" strike="noStrike">
+              <a:latin typeface="Times New Roman"/>
+            </a:endParaRPr>
+          </a:p>
+        </p:txBody>
+      </p:sp>
+      <p:sp>
+        <p:nvSpPr>
+          <p:cNvPr id="92" name="PlaceHolder 2"/>
+          <p:cNvSpPr>
+            <a:spLocks noGrp="1"/>
+          </p:cNvSpPr>
+          <p:nvPr>
+            <p:ph type="title"/>
+          </p:nvPr>
+        </p:nvSpPr>
+        <p:spPr>
+          <a:xfrm>
+            <a:off x="118440" y="108000"/>
+            <a:ext cx="6178320" cy="447120"/>
+          </a:xfrm>
+          <a:prstGeom prst="rect">
+            <a:avLst/>
+          </a:prstGeom>
+          <a:noFill/>
+          <a:ln w="0">
+            <a:noFill/>
+          </a:ln>
+        </p:spPr>
+        <p:txBody>
+          <a:bodyPr lIns="0" rIns="0" tIns="91440" bIns="91440" anchor="b">
+            <a:noAutofit/>
+          </a:bodyPr>
+          <a:p>
+            <a:pPr>
+              <a:lnSpc>
+                <a:spcPct val="100000"/>
+              </a:lnSpc>
+              <a:buNone/>
+              <a:tabLst>
+                <a:tab algn="l" pos="0"/>
+              </a:tabLst>
+            </a:pPr>
+            <a:r>
+              <a:rPr b="1" lang="es" sz="2790" spc="-1" strike="noStrike">
+                <a:solidFill>
+                  <a:srgbClr val="595959"/>
+                </a:solidFill>
+                <a:latin typeface="Arial"/>
+                <a:ea typeface="Arial"/>
+              </a:rPr>
+              <a:t>counter_ip. Señales y registros</a:t>
+            </a:r>
+            <a:endParaRPr b="0" lang="en-US" sz="2790" spc="-1" strike="noStrike">
+              <a:latin typeface="Arial"/>
+            </a:endParaRPr>
+          </a:p>
+        </p:txBody>
+      </p:sp>
+      <p:pic>
+        <p:nvPicPr>
+          <p:cNvPr id="93" name="" descr=""/>
+          <p:cNvPicPr/>
+          <p:nvPr/>
+        </p:nvPicPr>
+        <p:blipFill>
+          <a:blip r:embed="rId2"/>
+          <a:stretch/>
+        </p:blipFill>
+        <p:spPr>
+          <a:xfrm>
+            <a:off x="1220760" y="840960"/>
+            <a:ext cx="6900840" cy="3695040"/>
+          </a:xfrm>
+          <a:prstGeom prst="rect">
+            <a:avLst/>
+          </a:prstGeom>
+          <a:ln w="0">
+            <a:noFill/>
+          </a:ln>
+        </p:spPr>
+      </p:pic>
+    </p:spTree>
+  </p:cSld>
+  <mc:AlternateContent>
+    <mc:Choice Requires="p14">
+      <p:transition spd="slow" p14:dur="2000"/>
+    </mc:Choice>
+    <mc:Fallback>
+      <p:transition spd="slow"/>
+    </mc:Fallback>
+  </mc:AlternateContent>
+</p:sld>
+</file>
+
+<file path=ppt/slides/slide14.xml><?xml version="1.0" encoding="utf-8"?>
+<p:sld xmlns:a="http://schemas.openxmlformats.org/drawingml/2006/main" xmlns:p="http://schemas.openxmlformats.org/presentationml/2006/main" xmlns:r="http://schemas.openxmlformats.org/officeDocument/2006/relationships" xmlns:p14="http://schemas.microsoft.com/office/powerpoint/2010/main" xmlns:p15="http://schemas.microsoft.com/office/powerpoint/2012/main" xmlns:mc="http://schemas.openxmlformats.org/markup-compatibility/2006">
+  <p:cSld>
+    <p:spTree>
+      <p:nvGrpSpPr>
+        <p:cNvPr id="1" name=""/>
+        <p:cNvGrpSpPr/>
+        <p:nvPr/>
+      </p:nvGrpSpPr>
+      <p:grpSpPr>
+        <a:xfrm>
+          <a:off x="0" y="0"/>
+          <a:ext cx="0" cy="0"/>
+          <a:chOff x="0" y="0"/>
+          <a:chExt cx="0" cy="0"/>
+        </a:xfrm>
+      </p:grpSpPr>
+      <p:pic>
+        <p:nvPicPr>
+          <p:cNvPr id="94" name="Google Shape;65;p 12" descr=""/>
+          <p:cNvPicPr/>
+          <p:nvPr/>
+        </p:nvPicPr>
+        <p:blipFill>
+          <a:blip r:embed="rId1">
+            <a:alphaModFix amt="20000"/>
+          </a:blip>
+          <a:stretch/>
+        </p:blipFill>
+        <p:spPr>
+          <a:xfrm>
+            <a:off x="2520" y="0"/>
+            <a:ext cx="9137160" cy="5136840"/>
+          </a:xfrm>
+          <a:prstGeom prst="rect">
+            <a:avLst/>
+          </a:prstGeom>
+          <a:ln w="0">
+            <a:noFill/>
+          </a:ln>
+        </p:spPr>
+      </p:pic>
+      <p:sp>
+        <p:nvSpPr>
+          <p:cNvPr id="95" name="PlaceHolder 1"/>
+          <p:cNvSpPr>
+            <a:spLocks noGrp="1"/>
+          </p:cNvSpPr>
+          <p:nvPr>
+            <p:ph type="sldNum" idx="15"/>
+          </p:nvPr>
+        </p:nvSpPr>
+        <p:spPr>
+          <a:xfrm>
+            <a:off x="8472600" y="4663080"/>
+            <a:ext cx="541800" cy="386640"/>
+          </a:xfrm>
+          <a:prstGeom prst="rect">
+            <a:avLst/>
+          </a:prstGeom>
+          <a:noFill/>
+          <a:ln w="0">
+            <a:noFill/>
+          </a:ln>
+        </p:spPr>
+        <p:txBody>
+          <a:bodyPr lIns="90000" rIns="90000" tIns="91440" bIns="91440" anchor="ctr">
+            <a:normAutofit/>
+          </a:bodyPr>
+          <a:lstStyle>
+            <a:lvl1pPr algn="r">
+              <a:lnSpc>
+                <a:spcPct val="100000"/>
+              </a:lnSpc>
+              <a:buNone/>
+              <a:tabLst>
+                <a:tab algn="l" pos="0"/>
+              </a:tabLst>
+              <a:defRPr b="0" lang="es" sz="1000" spc="-1" strike="noStrike">
+                <a:solidFill>
+                  <a:srgbClr val="595959"/>
+                </a:solidFill>
+                <a:latin typeface="Arial"/>
+                <a:ea typeface="Arial"/>
+              </a:defRPr>
+            </a:lvl1pPr>
+          </a:lstStyle>
+          <a:p>
+            <a:pPr algn="r">
+              <a:lnSpc>
+                <a:spcPct val="100000"/>
+              </a:lnSpc>
+              <a:buNone/>
+              <a:tabLst>
+                <a:tab algn="l" pos="0"/>
+              </a:tabLst>
+            </a:pPr>
+            <a:fld id="{4818A3EF-96B5-4F98-B45C-15D31B367498}" type="slidenum">
+              <a:rPr b="0" lang="es" sz="1000" spc="-1" strike="noStrike">
+                <a:solidFill>
+                  <a:srgbClr val="595959"/>
+                </a:solidFill>
+                <a:latin typeface="Arial"/>
+                <a:ea typeface="Arial"/>
+              </a:rPr>
+              <a:t>14</a:t>
+            </a:fld>
+            <a:endParaRPr b="0" lang="en-US" sz="1000" spc="-1" strike="noStrike">
+              <a:latin typeface="Times New Roman"/>
+            </a:endParaRPr>
+          </a:p>
+        </p:txBody>
+      </p:sp>
+      <p:sp>
+        <p:nvSpPr>
+          <p:cNvPr id="96" name="PlaceHolder 2"/>
+          <p:cNvSpPr>
+            <a:spLocks noGrp="1"/>
+          </p:cNvSpPr>
+          <p:nvPr>
+            <p:ph type="title"/>
+          </p:nvPr>
+        </p:nvSpPr>
+        <p:spPr>
+          <a:xfrm>
+            <a:off x="118440" y="108000"/>
+            <a:ext cx="6178320" cy="447120"/>
+          </a:xfrm>
+          <a:prstGeom prst="rect">
+            <a:avLst/>
+          </a:prstGeom>
+          <a:noFill/>
+          <a:ln w="0">
+            <a:noFill/>
+          </a:ln>
+        </p:spPr>
+        <p:txBody>
+          <a:bodyPr lIns="0" rIns="0" tIns="91440" bIns="91440" anchor="b">
+            <a:noAutofit/>
+          </a:bodyPr>
+          <a:p>
+            <a:pPr>
+              <a:lnSpc>
+                <a:spcPct val="100000"/>
+              </a:lnSpc>
+              <a:buNone/>
+              <a:tabLst>
+                <a:tab algn="l" pos="0"/>
+              </a:tabLst>
+            </a:pPr>
+            <a:r>
+              <a:rPr b="1" lang="es" sz="2790" spc="-1" strike="noStrike">
+                <a:solidFill>
+                  <a:srgbClr val="595959"/>
+                </a:solidFill>
+                <a:latin typeface="Arial"/>
+                <a:ea typeface="Arial"/>
+              </a:rPr>
+              <a:t>Board-Address</a:t>
+            </a:r>
+            <a:endParaRPr b="0" lang="en-US" sz="2790" spc="-1" strike="noStrike">
+              <a:latin typeface="Arial"/>
+            </a:endParaRPr>
+          </a:p>
+        </p:txBody>
+      </p:sp>
+      <p:pic>
+        <p:nvPicPr>
+          <p:cNvPr id="97" name="" descr=""/>
+          <p:cNvPicPr/>
+          <p:nvPr/>
+        </p:nvPicPr>
+        <p:blipFill>
+          <a:blip r:embed="rId2"/>
+          <a:stretch/>
+        </p:blipFill>
+        <p:spPr>
+          <a:xfrm>
+            <a:off x="252000" y="1159920"/>
+            <a:ext cx="8686800" cy="2818080"/>
+          </a:xfrm>
+          <a:prstGeom prst="rect">
+            <a:avLst/>
+          </a:prstGeom>
+          <a:ln w="0">
+            <a:noFill/>
+          </a:ln>
+        </p:spPr>
+      </p:pic>
+    </p:spTree>
+  </p:cSld>
+  <mc:AlternateContent>
+    <mc:Choice Requires="p14">
+      <p:transition spd="slow" p14:dur="2000"/>
+    </mc:Choice>
+    <mc:Fallback>
+      <p:transition spd="slow"/>
+    </mc:Fallback>
+  </mc:AlternateContent>
+</p:sld>
+</file>
+
+<file path=ppt/slides/slide15.xml><?xml version="1.0" encoding="utf-8"?>
+<p:sld xmlns:a="http://schemas.openxmlformats.org/drawingml/2006/main" xmlns:p="http://schemas.openxmlformats.org/presentationml/2006/main" xmlns:r="http://schemas.openxmlformats.org/officeDocument/2006/relationships" xmlns:p14="http://schemas.microsoft.com/office/powerpoint/2010/main" xmlns:p15="http://schemas.microsoft.com/office/powerpoint/2012/main" xmlns:mc="http://schemas.openxmlformats.org/markup-compatibility/2006">
+  <p:cSld>
+    <p:spTree>
+      <p:nvGrpSpPr>
+        <p:cNvPr id="1" name=""/>
+        <p:cNvGrpSpPr/>
+        <p:nvPr/>
+      </p:nvGrpSpPr>
+      <p:grpSpPr>
+        <a:xfrm>
+          <a:off x="0" y="0"/>
+          <a:ext cx="0" cy="0"/>
+          <a:chOff x="0" y="0"/>
+          <a:chExt cx="0" cy="0"/>
+        </a:xfrm>
+      </p:grpSpPr>
+      <p:pic>
+        <p:nvPicPr>
+          <p:cNvPr id="98" name="Google Shape;65;p 13" descr=""/>
+          <p:cNvPicPr/>
+          <p:nvPr/>
+        </p:nvPicPr>
+        <p:blipFill>
+          <a:blip r:embed="rId1">
+            <a:alphaModFix amt="20000"/>
+          </a:blip>
+          <a:stretch/>
+        </p:blipFill>
+        <p:spPr>
+          <a:xfrm>
+            <a:off x="2520" y="0"/>
+            <a:ext cx="9137160" cy="5136840"/>
+          </a:xfrm>
+          <a:prstGeom prst="rect">
+            <a:avLst/>
+          </a:prstGeom>
+          <a:ln w="0">
+            <a:noFill/>
+          </a:ln>
+        </p:spPr>
+      </p:pic>
+      <p:sp>
+        <p:nvSpPr>
+          <p:cNvPr id="99" name="PlaceHolder 1"/>
+          <p:cNvSpPr>
+            <a:spLocks noGrp="1"/>
+          </p:cNvSpPr>
+          <p:nvPr>
+            <p:ph type="sldNum" idx="16"/>
+          </p:nvPr>
+        </p:nvSpPr>
+        <p:spPr>
+          <a:xfrm>
+            <a:off x="8472600" y="4663080"/>
+            <a:ext cx="541800" cy="386640"/>
+          </a:xfrm>
+          <a:prstGeom prst="rect">
+            <a:avLst/>
+          </a:prstGeom>
+          <a:noFill/>
+          <a:ln w="0">
+            <a:noFill/>
+          </a:ln>
+        </p:spPr>
+        <p:txBody>
+          <a:bodyPr lIns="90000" rIns="90000" tIns="91440" bIns="91440" anchor="ctr">
+            <a:normAutofit/>
+          </a:bodyPr>
+          <a:lstStyle>
+            <a:lvl1pPr algn="r">
+              <a:lnSpc>
+                <a:spcPct val="100000"/>
+              </a:lnSpc>
+              <a:buNone/>
+              <a:tabLst>
+                <a:tab algn="l" pos="0"/>
+              </a:tabLst>
+              <a:defRPr b="0" lang="es" sz="1000" spc="-1" strike="noStrike">
+                <a:solidFill>
+                  <a:srgbClr val="595959"/>
+                </a:solidFill>
+                <a:latin typeface="Arial"/>
+                <a:ea typeface="Arial"/>
+              </a:defRPr>
+            </a:lvl1pPr>
+          </a:lstStyle>
+          <a:p>
+            <a:pPr algn="r">
+              <a:lnSpc>
+                <a:spcPct val="100000"/>
+              </a:lnSpc>
+              <a:buNone/>
+              <a:tabLst>
+                <a:tab algn="l" pos="0"/>
+              </a:tabLst>
+            </a:pPr>
+            <a:fld id="{B5210644-9021-484C-9821-FDBD86FEDDAA}" type="slidenum">
+              <a:rPr b="0" lang="es" sz="1000" spc="-1" strike="noStrike">
+                <a:solidFill>
+                  <a:srgbClr val="595959"/>
+                </a:solidFill>
+                <a:latin typeface="Arial"/>
+                <a:ea typeface="Arial"/>
+              </a:rPr>
+              <a:t>15</a:t>
+            </a:fld>
+            <a:endParaRPr b="0" lang="en-US" sz="1000" spc="-1" strike="noStrike">
+              <a:latin typeface="Times New Roman"/>
+            </a:endParaRPr>
+          </a:p>
+        </p:txBody>
+      </p:sp>
+      <p:sp>
+        <p:nvSpPr>
+          <p:cNvPr id="100" name="PlaceHolder 2"/>
+          <p:cNvSpPr>
+            <a:spLocks noGrp="1"/>
+          </p:cNvSpPr>
+          <p:nvPr>
+            <p:ph type="title"/>
+          </p:nvPr>
+        </p:nvSpPr>
+        <p:spPr>
+          <a:xfrm>
+            <a:off x="118440" y="108000"/>
+            <a:ext cx="6178320" cy="447120"/>
+          </a:xfrm>
+          <a:prstGeom prst="rect">
+            <a:avLst/>
+          </a:prstGeom>
+          <a:noFill/>
+          <a:ln w="0">
+            <a:noFill/>
+          </a:ln>
+        </p:spPr>
+        <p:txBody>
+          <a:bodyPr lIns="0" rIns="0" tIns="91440" bIns="91440" anchor="b">
+            <a:noAutofit/>
+          </a:bodyPr>
+          <a:p>
+            <a:pPr>
+              <a:lnSpc>
+                <a:spcPct val="100000"/>
+              </a:lnSpc>
+              <a:buNone/>
+              <a:tabLst>
+                <a:tab algn="l" pos="0"/>
+              </a:tabLst>
+            </a:pPr>
+            <a:r>
+              <a:rPr b="1" lang="es" sz="2790" spc="-1" strike="noStrike">
+                <a:solidFill>
+                  <a:srgbClr val="595959"/>
+                </a:solidFill>
+                <a:latin typeface="Arial"/>
+                <a:ea typeface="Arial"/>
+              </a:rPr>
+              <a:t>Jerarquía</a:t>
+            </a:r>
+            <a:endParaRPr b="0" lang="en-US" sz="2790" spc="-1" strike="noStrike">
+              <a:latin typeface="Arial"/>
+            </a:endParaRPr>
+          </a:p>
+        </p:txBody>
+      </p:sp>
+      <p:pic>
+        <p:nvPicPr>
+          <p:cNvPr id="101" name="" descr=""/>
+          <p:cNvPicPr/>
+          <p:nvPr/>
+        </p:nvPicPr>
+        <p:blipFill>
+          <a:blip r:embed="rId2"/>
+          <a:stretch/>
+        </p:blipFill>
+        <p:spPr>
+          <a:xfrm>
+            <a:off x="156600" y="970200"/>
+            <a:ext cx="8915400" cy="3144600"/>
+          </a:xfrm>
+          <a:prstGeom prst="rect">
+            <a:avLst/>
+          </a:prstGeom>
+          <a:ln w="0">
+            <a:noFill/>
+          </a:ln>
+        </p:spPr>
+      </p:pic>
+    </p:spTree>
+  </p:cSld>
+  <mc:AlternateContent>
+    <mc:Choice Requires="p14">
+      <p:transition spd="slow" p14:dur="2000"/>
+    </mc:Choice>
+    <mc:Fallback>
+      <p:transition spd="slow"/>
+    </mc:Fallback>
+  </mc:AlternateContent>
+</p:sld>
+</file>
+
+<file path=ppt/slides/slide16.xml><?xml version="1.0" encoding="utf-8"?>
+<p:sld xmlns:a="http://schemas.openxmlformats.org/drawingml/2006/main" xmlns:p="http://schemas.openxmlformats.org/presentationml/2006/main" xmlns:r="http://schemas.openxmlformats.org/officeDocument/2006/relationships" xmlns:p14="http://schemas.microsoft.com/office/powerpoint/2010/main" xmlns:p15="http://schemas.microsoft.com/office/powerpoint/2012/main" xmlns:mc="http://schemas.openxmlformats.org/markup-compatibility/2006">
+  <p:cSld>
+    <p:spTree>
+      <p:nvGrpSpPr>
+        <p:cNvPr id="1" name=""/>
+        <p:cNvGrpSpPr/>
+        <p:nvPr/>
+      </p:nvGrpSpPr>
+      <p:grpSpPr>
+        <a:xfrm>
+          <a:off x="0" y="0"/>
+          <a:ext cx="0" cy="0"/>
+          <a:chOff x="0" y="0"/>
+          <a:chExt cx="0" cy="0"/>
+        </a:xfrm>
+      </p:grpSpPr>
+      <p:pic>
+        <p:nvPicPr>
+          <p:cNvPr id="102" name="Google Shape;65;p 14" descr=""/>
+          <p:cNvPicPr/>
+          <p:nvPr/>
+        </p:nvPicPr>
+        <p:blipFill>
+          <a:blip r:embed="rId1">
+            <a:alphaModFix amt="20000"/>
+          </a:blip>
+          <a:stretch/>
+        </p:blipFill>
+        <p:spPr>
+          <a:xfrm>
+            <a:off x="2520" y="0"/>
+            <a:ext cx="9137160" cy="5136840"/>
+          </a:xfrm>
+          <a:prstGeom prst="rect">
+            <a:avLst/>
+          </a:prstGeom>
+          <a:ln w="0">
+            <a:noFill/>
+          </a:ln>
+        </p:spPr>
+      </p:pic>
+      <p:sp>
+        <p:nvSpPr>
+          <p:cNvPr id="103" name="PlaceHolder 1"/>
+          <p:cNvSpPr>
+            <a:spLocks noGrp="1"/>
+          </p:cNvSpPr>
+          <p:nvPr>
+            <p:ph type="sldNum" idx="17"/>
+          </p:nvPr>
+        </p:nvSpPr>
+        <p:spPr>
+          <a:xfrm>
+            <a:off x="8472600" y="4663080"/>
+            <a:ext cx="541800" cy="386640"/>
+          </a:xfrm>
+          <a:prstGeom prst="rect">
+            <a:avLst/>
+          </a:prstGeom>
+          <a:noFill/>
+          <a:ln w="0">
+            <a:noFill/>
+          </a:ln>
+        </p:spPr>
+        <p:txBody>
+          <a:bodyPr lIns="90000" rIns="90000" tIns="91440" bIns="91440" anchor="ctr">
+            <a:normAutofit/>
+          </a:bodyPr>
+          <a:lstStyle>
+            <a:lvl1pPr algn="r">
+              <a:lnSpc>
+                <a:spcPct val="100000"/>
+              </a:lnSpc>
+              <a:buNone/>
+              <a:tabLst>
+                <a:tab algn="l" pos="0"/>
+              </a:tabLst>
+              <a:defRPr b="0" lang="es" sz="1000" spc="-1" strike="noStrike">
+                <a:solidFill>
+                  <a:srgbClr val="595959"/>
+                </a:solidFill>
+                <a:latin typeface="Arial"/>
+                <a:ea typeface="Arial"/>
+              </a:defRPr>
+            </a:lvl1pPr>
+          </a:lstStyle>
+          <a:p>
+            <a:pPr algn="r">
+              <a:lnSpc>
+                <a:spcPct val="100000"/>
+              </a:lnSpc>
+              <a:buNone/>
+              <a:tabLst>
+                <a:tab algn="l" pos="0"/>
+              </a:tabLst>
+            </a:pPr>
+            <a:fld id="{82FAAB41-92C2-4BFE-9E63-ED3165F9185D}" type="slidenum">
+              <a:rPr b="0" lang="es" sz="1000" spc="-1" strike="noStrike">
+                <a:solidFill>
+                  <a:srgbClr val="595959"/>
+                </a:solidFill>
+                <a:latin typeface="Arial"/>
+                <a:ea typeface="Arial"/>
+              </a:rPr>
+              <a:t>16</a:t>
+            </a:fld>
+            <a:endParaRPr b="0" lang="en-US" sz="1000" spc="-1" strike="noStrike">
+              <a:latin typeface="Times New Roman"/>
+            </a:endParaRPr>
+          </a:p>
+        </p:txBody>
+      </p:sp>
+      <p:sp>
+        <p:nvSpPr>
+          <p:cNvPr id="104" name="PlaceHolder 2"/>
+          <p:cNvSpPr>
+            <a:spLocks noGrp="1"/>
+          </p:cNvSpPr>
+          <p:nvPr>
+            <p:ph type="title"/>
+          </p:nvPr>
+        </p:nvSpPr>
+        <p:spPr>
+          <a:xfrm>
+            <a:off x="118440" y="108000"/>
+            <a:ext cx="8339760" cy="447120"/>
+          </a:xfrm>
+          <a:prstGeom prst="rect">
+            <a:avLst/>
+          </a:prstGeom>
+          <a:noFill/>
+          <a:ln w="0">
+            <a:noFill/>
+          </a:ln>
+        </p:spPr>
+        <p:txBody>
+          <a:bodyPr lIns="0" rIns="0" tIns="91440" bIns="91440" anchor="b">
+            <a:noAutofit/>
+          </a:bodyPr>
+          <a:p>
+            <a:pPr>
+              <a:lnSpc>
+                <a:spcPct val="100000"/>
+              </a:lnSpc>
+              <a:buNone/>
+              <a:tabLst>
+                <a:tab algn="l" pos="0"/>
+              </a:tabLst>
+            </a:pPr>
+            <a:r>
+              <a:rPr b="1" lang="es" sz="2790" spc="-1" strike="noStrike">
+                <a:solidFill>
+                  <a:srgbClr val="595959"/>
+                </a:solidFill>
+                <a:latin typeface="Arial"/>
+                <a:ea typeface="Arial"/>
+              </a:rPr>
+              <a:t>Proyecto de software. Estructura de carpetas</a:t>
+            </a:r>
+            <a:endParaRPr b="0" lang="en-US" sz="2790" spc="-1" strike="noStrike">
+              <a:latin typeface="Arial"/>
+            </a:endParaRPr>
+          </a:p>
+        </p:txBody>
+      </p:sp>
+      <p:pic>
+        <p:nvPicPr>
+          <p:cNvPr id="105" name="" descr=""/>
+          <p:cNvPicPr/>
+          <p:nvPr/>
+        </p:nvPicPr>
+        <p:blipFill>
+          <a:blip r:embed="rId2"/>
+          <a:stretch/>
+        </p:blipFill>
+        <p:spPr>
+          <a:xfrm>
+            <a:off x="1864080" y="1724040"/>
+            <a:ext cx="5451120" cy="1704960"/>
+          </a:xfrm>
+          <a:prstGeom prst="rect">
+            <a:avLst/>
+          </a:prstGeom>
+          <a:ln w="0">
+            <a:noFill/>
+          </a:ln>
+        </p:spPr>
+      </p:pic>
+    </p:spTree>
+  </p:cSld>
+  <mc:AlternateContent>
+    <mc:Choice Requires="p14">
+      <p:transition spd="slow" p14:dur="2000"/>
+    </mc:Choice>
+    <mc:Fallback>
+      <p:transition spd="slow"/>
+    </mc:Fallback>
+  </mc:AlternateContent>
+</p:sld>
+</file>
+
+<file path=ppt/slides/slide17.xml><?xml version="1.0" encoding="utf-8"?>
+<p:sld xmlns:a="http://schemas.openxmlformats.org/drawingml/2006/main" xmlns:p="http://schemas.openxmlformats.org/presentationml/2006/main" xmlns:r="http://schemas.openxmlformats.org/officeDocument/2006/relationships" xmlns:p14="http://schemas.microsoft.com/office/powerpoint/2010/main" xmlns:p15="http://schemas.microsoft.com/office/powerpoint/2012/main" xmlns:mc="http://schemas.openxmlformats.org/markup-compatibility/2006">
+  <p:cSld>
+    <p:spTree>
+      <p:nvGrpSpPr>
+        <p:cNvPr id="1" name=""/>
+        <p:cNvGrpSpPr/>
+        <p:nvPr/>
+      </p:nvGrpSpPr>
+      <p:grpSpPr>
+        <a:xfrm>
+          <a:off x="0" y="0"/>
+          <a:ext cx="0" cy="0"/>
+          <a:chOff x="0" y="0"/>
+          <a:chExt cx="0" cy="0"/>
+        </a:xfrm>
+      </p:grpSpPr>
+      <p:pic>
+        <p:nvPicPr>
+          <p:cNvPr id="106" name="Google Shape;65;p 15" descr=""/>
+          <p:cNvPicPr/>
+          <p:nvPr/>
+        </p:nvPicPr>
+        <p:blipFill>
+          <a:blip r:embed="rId1">
+            <a:alphaModFix amt="20000"/>
+          </a:blip>
+          <a:stretch/>
+        </p:blipFill>
+        <p:spPr>
+          <a:xfrm>
+            <a:off x="2520" y="0"/>
+            <a:ext cx="9137160" cy="5136840"/>
+          </a:xfrm>
+          <a:prstGeom prst="rect">
+            <a:avLst/>
+          </a:prstGeom>
+          <a:ln w="0">
+            <a:noFill/>
+          </a:ln>
+        </p:spPr>
+      </p:pic>
+      <p:sp>
+        <p:nvSpPr>
+          <p:cNvPr id="107" name="PlaceHolder 1"/>
+          <p:cNvSpPr>
+            <a:spLocks noGrp="1"/>
+          </p:cNvSpPr>
+          <p:nvPr>
+            <p:ph type="sldNum" idx="18"/>
+          </p:nvPr>
+        </p:nvSpPr>
+        <p:spPr>
+          <a:xfrm>
+            <a:off x="8472600" y="4663080"/>
+            <a:ext cx="541800" cy="386640"/>
+          </a:xfrm>
+          <a:prstGeom prst="rect">
+            <a:avLst/>
+          </a:prstGeom>
+          <a:noFill/>
+          <a:ln w="0">
+            <a:noFill/>
+          </a:ln>
+        </p:spPr>
+        <p:txBody>
+          <a:bodyPr lIns="90000" rIns="90000" tIns="91440" bIns="91440" anchor="ctr">
+            <a:normAutofit/>
+          </a:bodyPr>
+          <a:lstStyle>
+            <a:lvl1pPr algn="r">
+              <a:lnSpc>
+                <a:spcPct val="100000"/>
+              </a:lnSpc>
+              <a:buNone/>
+              <a:tabLst>
+                <a:tab algn="l" pos="0"/>
+              </a:tabLst>
+              <a:defRPr b="0" lang="es" sz="1000" spc="-1" strike="noStrike">
+                <a:solidFill>
+                  <a:srgbClr val="595959"/>
+                </a:solidFill>
+                <a:latin typeface="Arial"/>
+                <a:ea typeface="Arial"/>
+              </a:defRPr>
+            </a:lvl1pPr>
+          </a:lstStyle>
+          <a:p>
+            <a:pPr algn="r">
+              <a:lnSpc>
+                <a:spcPct val="100000"/>
+              </a:lnSpc>
+              <a:buNone/>
+              <a:tabLst>
+                <a:tab algn="l" pos="0"/>
+              </a:tabLst>
+            </a:pPr>
+            <a:fld id="{F9858FBD-F44C-4A11-9A3B-C40D80F44AB9}" type="slidenum">
+              <a:rPr b="0" lang="es" sz="1000" spc="-1" strike="noStrike">
+                <a:solidFill>
+                  <a:srgbClr val="595959"/>
+                </a:solidFill>
+                <a:latin typeface="Arial"/>
+                <a:ea typeface="Arial"/>
+              </a:rPr>
+              <a:t>17</a:t>
+            </a:fld>
+            <a:endParaRPr b="0" lang="en-US" sz="1000" spc="-1" strike="noStrike">
+              <a:latin typeface="Times New Roman"/>
+            </a:endParaRPr>
+          </a:p>
+        </p:txBody>
+      </p:sp>
+      <p:sp>
+        <p:nvSpPr>
+          <p:cNvPr id="108" name="PlaceHolder 2"/>
+          <p:cNvSpPr>
+            <a:spLocks noGrp="1"/>
+          </p:cNvSpPr>
+          <p:nvPr>
+            <p:ph type="title"/>
+          </p:nvPr>
+        </p:nvSpPr>
+        <p:spPr>
+          <a:xfrm>
+            <a:off x="118440" y="108000"/>
+            <a:ext cx="8339760" cy="447120"/>
+          </a:xfrm>
+          <a:prstGeom prst="rect">
+            <a:avLst/>
+          </a:prstGeom>
+          <a:noFill/>
+          <a:ln w="0">
+            <a:noFill/>
+          </a:ln>
+        </p:spPr>
+        <p:txBody>
+          <a:bodyPr lIns="0" rIns="0" tIns="91440" bIns="91440" anchor="b">
+            <a:noAutofit/>
+          </a:bodyPr>
+          <a:p>
+            <a:pPr>
+              <a:lnSpc>
+                <a:spcPct val="100000"/>
+              </a:lnSpc>
+              <a:buNone/>
+              <a:tabLst>
+                <a:tab algn="l" pos="0"/>
+              </a:tabLst>
+            </a:pPr>
+            <a:r>
+              <a:rPr b="1" lang="es" sz="2790" spc="-1" strike="noStrike">
+                <a:solidFill>
+                  <a:srgbClr val="595959"/>
+                </a:solidFill>
+                <a:latin typeface="Arial"/>
+                <a:ea typeface="Arial"/>
+              </a:rPr>
+              <a:t>Archivo system.hdf</a:t>
+            </a:r>
+            <a:endParaRPr b="0" lang="en-US" sz="2790" spc="-1" strike="noStrike">
+              <a:latin typeface="Arial"/>
+            </a:endParaRPr>
+          </a:p>
+        </p:txBody>
+      </p:sp>
+      <p:pic>
+        <p:nvPicPr>
+          <p:cNvPr id="109" name="" descr=""/>
+          <p:cNvPicPr/>
+          <p:nvPr/>
+        </p:nvPicPr>
+        <p:blipFill>
+          <a:blip r:embed="rId2"/>
+          <a:stretch/>
+        </p:blipFill>
+        <p:spPr>
+          <a:xfrm>
+            <a:off x="1586880" y="552600"/>
+            <a:ext cx="6028920" cy="4413600"/>
+          </a:xfrm>
+          <a:prstGeom prst="rect">
+            <a:avLst/>
+          </a:prstGeom>
+          <a:ln w="0">
+            <a:noFill/>
+          </a:ln>
+        </p:spPr>
+      </p:pic>
+    </p:spTree>
+  </p:cSld>
+  <mc:AlternateContent>
+    <mc:Choice Requires="p14">
+      <p:transition spd="slow" p14:dur="2000"/>
+    </mc:Choice>
+    <mc:Fallback>
+      <p:transition spd="slow"/>
+    </mc:Fallback>
+  </mc:AlternateContent>
+</p:sld>
+</file>
+
+<file path=ppt/slides/slide18.xml><?xml version="1.0" encoding="utf-8"?>
+<p:sld xmlns:a="http://schemas.openxmlformats.org/drawingml/2006/main" xmlns:p="http://schemas.openxmlformats.org/presentationml/2006/main" xmlns:r="http://schemas.openxmlformats.org/officeDocument/2006/relationships" xmlns:p14="http://schemas.microsoft.com/office/powerpoint/2010/main" xmlns:p15="http://schemas.microsoft.com/office/powerpoint/2012/main" xmlns:mc="http://schemas.openxmlformats.org/markup-compatibility/2006">
+  <p:cSld>
+    <p:spTree>
+      <p:nvGrpSpPr>
+        <p:cNvPr id="1" name=""/>
+        <p:cNvGrpSpPr/>
+        <p:nvPr/>
+      </p:nvGrpSpPr>
+      <p:grpSpPr>
+        <a:xfrm>
+          <a:off x="0" y="0"/>
+          <a:ext cx="0" cy="0"/>
+          <a:chOff x="0" y="0"/>
+          <a:chExt cx="0" cy="0"/>
+        </a:xfrm>
+      </p:grpSpPr>
+      <p:pic>
+        <p:nvPicPr>
+          <p:cNvPr id="110" name="Google Shape;65;p 16" descr=""/>
+          <p:cNvPicPr/>
+          <p:nvPr/>
+        </p:nvPicPr>
+        <p:blipFill>
+          <a:blip r:embed="rId1">
+            <a:alphaModFix amt="20000"/>
+          </a:blip>
+          <a:stretch/>
+        </p:blipFill>
+        <p:spPr>
+          <a:xfrm>
+            <a:off x="2520" y="0"/>
+            <a:ext cx="9137160" cy="5136840"/>
+          </a:xfrm>
+          <a:prstGeom prst="rect">
+            <a:avLst/>
+          </a:prstGeom>
+          <a:ln w="0">
+            <a:noFill/>
+          </a:ln>
+        </p:spPr>
+      </p:pic>
+      <p:sp>
+        <p:nvSpPr>
+          <p:cNvPr id="111" name="PlaceHolder 1"/>
+          <p:cNvSpPr>
+            <a:spLocks noGrp="1"/>
+          </p:cNvSpPr>
+          <p:nvPr>
+            <p:ph type="sldNum" idx="19"/>
+          </p:nvPr>
+        </p:nvSpPr>
+        <p:spPr>
+          <a:xfrm>
+            <a:off x="8472600" y="4663080"/>
+            <a:ext cx="541800" cy="386640"/>
+          </a:xfrm>
+          <a:prstGeom prst="rect">
+            <a:avLst/>
+          </a:prstGeom>
+          <a:noFill/>
+          <a:ln w="0">
+            <a:noFill/>
+          </a:ln>
+        </p:spPr>
+        <p:txBody>
+          <a:bodyPr lIns="90000" rIns="90000" tIns="91440" bIns="91440" anchor="ctr">
+            <a:normAutofit/>
+          </a:bodyPr>
+          <a:lstStyle>
+            <a:lvl1pPr algn="r">
+              <a:lnSpc>
+                <a:spcPct val="100000"/>
+              </a:lnSpc>
+              <a:buNone/>
+              <a:tabLst>
+                <a:tab algn="l" pos="0"/>
+              </a:tabLst>
+              <a:defRPr b="0" lang="es" sz="1000" spc="-1" strike="noStrike">
+                <a:solidFill>
+                  <a:srgbClr val="595959"/>
+                </a:solidFill>
+                <a:latin typeface="Arial"/>
+                <a:ea typeface="Arial"/>
+              </a:defRPr>
+            </a:lvl1pPr>
+          </a:lstStyle>
+          <a:p>
+            <a:pPr algn="r">
+              <a:lnSpc>
+                <a:spcPct val="100000"/>
+              </a:lnSpc>
+              <a:buNone/>
+              <a:tabLst>
+                <a:tab algn="l" pos="0"/>
+              </a:tabLst>
+            </a:pPr>
+            <a:fld id="{4BE7EE19-3627-4421-839A-19A5AD8990E7}" type="slidenum">
+              <a:rPr b="0" lang="es" sz="1000" spc="-1" strike="noStrike">
+                <a:solidFill>
+                  <a:srgbClr val="595959"/>
+                </a:solidFill>
+                <a:latin typeface="Arial"/>
+                <a:ea typeface="Arial"/>
+              </a:rPr>
+              <a:t>18</a:t>
+            </a:fld>
+            <a:endParaRPr b="0" lang="en-US" sz="1000" spc="-1" strike="noStrike">
+              <a:latin typeface="Times New Roman"/>
+            </a:endParaRPr>
+          </a:p>
+        </p:txBody>
+      </p:sp>
+      <p:sp>
+        <p:nvSpPr>
+          <p:cNvPr id="112" name="PlaceHolder 2"/>
+          <p:cNvSpPr>
+            <a:spLocks noGrp="1"/>
+          </p:cNvSpPr>
+          <p:nvPr>
+            <p:ph type="title"/>
+          </p:nvPr>
+        </p:nvSpPr>
+        <p:spPr>
+          <a:xfrm>
+            <a:off x="118440" y="108000"/>
+            <a:ext cx="8339760" cy="447120"/>
+          </a:xfrm>
+          <a:prstGeom prst="rect">
+            <a:avLst/>
+          </a:prstGeom>
+          <a:noFill/>
+          <a:ln w="0">
+            <a:noFill/>
+          </a:ln>
+        </p:spPr>
+        <p:txBody>
+          <a:bodyPr lIns="0" rIns="0" tIns="91440" bIns="91440" anchor="b">
+            <a:noAutofit/>
+          </a:bodyPr>
+          <a:p>
+            <a:pPr>
+              <a:lnSpc>
+                <a:spcPct val="100000"/>
+              </a:lnSpc>
+              <a:buNone/>
+              <a:tabLst>
+                <a:tab algn="l" pos="0"/>
+              </a:tabLst>
+            </a:pPr>
+            <a:r>
+              <a:rPr b="1" lang="es" sz="2790" spc="-1" strike="noStrike">
+                <a:solidFill>
+                  <a:srgbClr val="595959"/>
+                </a:solidFill>
+                <a:latin typeface="Arial"/>
+                <a:ea typeface="Arial"/>
+              </a:rPr>
+              <a:t>Archivo contador.c</a:t>
+            </a:r>
+            <a:endParaRPr b="0" lang="en-US" sz="2790" spc="-1" strike="noStrike">
+              <a:latin typeface="Arial"/>
+            </a:endParaRPr>
+          </a:p>
+        </p:txBody>
+      </p:sp>
+      <p:pic>
+        <p:nvPicPr>
+          <p:cNvPr id="113" name="" descr=""/>
+          <p:cNvPicPr/>
+          <p:nvPr/>
+        </p:nvPicPr>
+        <p:blipFill>
+          <a:blip r:embed="rId2"/>
+          <a:stretch/>
+        </p:blipFill>
+        <p:spPr>
+          <a:xfrm>
+            <a:off x="528840" y="721800"/>
+            <a:ext cx="8229960" cy="3933360"/>
+          </a:xfrm>
+          <a:prstGeom prst="rect">
+            <a:avLst/>
+          </a:prstGeom>
+          <a:ln w="0">
+            <a:noFill/>
+          </a:ln>
+        </p:spPr>
+      </p:pic>
+    </p:spTree>
+  </p:cSld>
+  <mc:AlternateContent>
+    <mc:Choice Requires="p14">
+      <p:transition spd="slow" p14:dur="2000"/>
+    </mc:Choice>
+    <mc:Fallback>
+      <p:transition spd="slow"/>
+    </mc:Fallback>
+  </mc:AlternateContent>
+</p:sld>
+</file>
+
+<file path=ppt/slides/slide19.xml><?xml version="1.0" encoding="utf-8"?>
+<p:sld xmlns:a="http://schemas.openxmlformats.org/drawingml/2006/main" xmlns:p="http://schemas.openxmlformats.org/presentationml/2006/main" xmlns:r="http://schemas.openxmlformats.org/officeDocument/2006/relationships" xmlns:p14="http://schemas.microsoft.com/office/powerpoint/2010/main" xmlns:p15="http://schemas.microsoft.com/office/powerpoint/2012/main" xmlns:mc="http://schemas.openxmlformats.org/markup-compatibility/2006">
+  <p:cSld>
+    <p:spTree>
+      <p:nvGrpSpPr>
+        <p:cNvPr id="1" name=""/>
+        <p:cNvGrpSpPr/>
+        <p:nvPr/>
+      </p:nvGrpSpPr>
+      <p:grpSpPr>
+        <a:xfrm>
+          <a:off x="0" y="0"/>
+          <a:ext cx="0" cy="0"/>
+          <a:chOff x="0" y="0"/>
+          <a:chExt cx="0" cy="0"/>
+        </a:xfrm>
+      </p:grpSpPr>
+      <p:pic>
+        <p:nvPicPr>
+          <p:cNvPr id="114" name="Google Shape;65;p 17" descr=""/>
+          <p:cNvPicPr/>
+          <p:nvPr/>
+        </p:nvPicPr>
+        <p:blipFill>
+          <a:blip r:embed="rId1">
+            <a:alphaModFix amt="20000"/>
+          </a:blip>
+          <a:stretch/>
+        </p:blipFill>
+        <p:spPr>
+          <a:xfrm>
+            <a:off x="6840" y="0"/>
+            <a:ext cx="9137160" cy="5136840"/>
+          </a:xfrm>
+          <a:prstGeom prst="rect">
+            <a:avLst/>
+          </a:prstGeom>
+          <a:ln w="0">
+            <a:noFill/>
+          </a:ln>
+        </p:spPr>
+      </p:pic>
+      <p:sp>
+        <p:nvSpPr>
+          <p:cNvPr id="115" name="PlaceHolder 1"/>
+          <p:cNvSpPr>
+            <a:spLocks noGrp="1"/>
+          </p:cNvSpPr>
+          <p:nvPr>
+            <p:ph type="sldNum" idx="20"/>
+          </p:nvPr>
+        </p:nvSpPr>
+        <p:spPr>
+          <a:xfrm>
+            <a:off x="8472600" y="4663080"/>
+            <a:ext cx="541800" cy="386640"/>
+          </a:xfrm>
+          <a:prstGeom prst="rect">
+            <a:avLst/>
+          </a:prstGeom>
+          <a:noFill/>
+          <a:ln w="0">
+            <a:noFill/>
+          </a:ln>
+        </p:spPr>
+        <p:txBody>
+          <a:bodyPr lIns="90000" rIns="90000" tIns="91440" bIns="91440" anchor="ctr">
+            <a:normAutofit/>
+          </a:bodyPr>
+          <a:lstStyle>
+            <a:lvl1pPr algn="r">
+              <a:lnSpc>
+                <a:spcPct val="100000"/>
+              </a:lnSpc>
+              <a:buNone/>
+              <a:tabLst>
+                <a:tab algn="l" pos="0"/>
+              </a:tabLst>
+              <a:defRPr b="0" lang="es" sz="1000" spc="-1" strike="noStrike">
+                <a:solidFill>
+                  <a:srgbClr val="595959"/>
+                </a:solidFill>
+                <a:latin typeface="Arial"/>
+                <a:ea typeface="Arial"/>
+              </a:defRPr>
+            </a:lvl1pPr>
+          </a:lstStyle>
+          <a:p>
+            <a:pPr algn="r">
+              <a:lnSpc>
+                <a:spcPct val="100000"/>
+              </a:lnSpc>
+              <a:buNone/>
+              <a:tabLst>
+                <a:tab algn="l" pos="0"/>
+              </a:tabLst>
+            </a:pPr>
+            <a:fld id="{F84711F0-2672-4301-8B49-BD6AEA9371E7}" type="slidenum">
+              <a:rPr b="0" lang="es" sz="1000" spc="-1" strike="noStrike">
+                <a:solidFill>
+                  <a:srgbClr val="595959"/>
+                </a:solidFill>
+                <a:latin typeface="Arial"/>
+                <a:ea typeface="Arial"/>
+              </a:rPr>
+              <a:t>19</a:t>
+            </a:fld>
+            <a:endParaRPr b="0" lang="en-US" sz="1000" spc="-1" strike="noStrike">
+              <a:latin typeface="Times New Roman"/>
+            </a:endParaRPr>
+          </a:p>
+        </p:txBody>
+      </p:sp>
+      <p:sp>
+        <p:nvSpPr>
+          <p:cNvPr id="116" name="PlaceHolder 2"/>
+          <p:cNvSpPr>
+            <a:spLocks noGrp="1"/>
+          </p:cNvSpPr>
+          <p:nvPr>
+            <p:ph type="title"/>
+          </p:nvPr>
+        </p:nvSpPr>
+        <p:spPr>
+          <a:xfrm>
+            <a:off x="118440" y="108000"/>
+            <a:ext cx="8339760" cy="447120"/>
+          </a:xfrm>
+          <a:prstGeom prst="rect">
+            <a:avLst/>
+          </a:prstGeom>
+          <a:noFill/>
+          <a:ln w="0">
+            <a:noFill/>
+          </a:ln>
+        </p:spPr>
+        <p:txBody>
+          <a:bodyPr lIns="0" rIns="0" tIns="91440" bIns="91440" anchor="b">
+            <a:noAutofit/>
+          </a:bodyPr>
+          <a:p>
+            <a:pPr>
+              <a:lnSpc>
+                <a:spcPct val="100000"/>
+              </a:lnSpc>
+              <a:buNone/>
+              <a:tabLst>
+                <a:tab algn="l" pos="0"/>
+              </a:tabLst>
+            </a:pPr>
+            <a:r>
+              <a:rPr b="1" lang="es" sz="2790" spc="-1" strike="noStrike">
+                <a:solidFill>
+                  <a:srgbClr val="595959"/>
+                </a:solidFill>
+                <a:latin typeface="Arial"/>
+                <a:ea typeface="Arial"/>
+              </a:rPr>
+              <a:t>Archivo contador.c</a:t>
+            </a:r>
+            <a:endParaRPr b="0" lang="en-US" sz="2790" spc="-1" strike="noStrike">
+              <a:latin typeface="Arial"/>
+            </a:endParaRPr>
+          </a:p>
+        </p:txBody>
+      </p:sp>
+      <p:pic>
+        <p:nvPicPr>
+          <p:cNvPr id="117" name="" descr=""/>
+          <p:cNvPicPr/>
+          <p:nvPr/>
+        </p:nvPicPr>
+        <p:blipFill>
+          <a:blip r:embed="rId2"/>
+          <a:stretch/>
+        </p:blipFill>
+        <p:spPr>
+          <a:xfrm>
+            <a:off x="156600" y="1143000"/>
+            <a:ext cx="8912880" cy="2649600"/>
+          </a:xfrm>
+          <a:prstGeom prst="rect">
+            <a:avLst/>
+          </a:prstGeom>
+          <a:ln w="0">
+            <a:noFill/>
+          </a:ln>
+        </p:spPr>
+      </p:pic>
     </p:spTree>
   </p:cSld>
   <mc:AlternateContent>
@@ -3084,7 +4548,7 @@
         <p:spPr>
           <a:xfrm>
             <a:off x="12600" y="1800"/>
-            <a:ext cx="9137520" cy="5137200"/>
+            <a:ext cx="9137160" cy="5136840"/>
           </a:xfrm>
           <a:prstGeom prst="rect">
             <a:avLst/>
@@ -3107,7 +4571,7 @@
         <p:spPr>
           <a:xfrm>
             <a:off x="8472600" y="4663080"/>
-            <a:ext cx="542160" cy="387000"/>
+            <a:ext cx="541800" cy="386640"/>
           </a:xfrm>
           <a:prstGeom prst="rect">
             <a:avLst/>
@@ -3149,7 +4613,7 @@
                 <a:tab algn="l" pos="0"/>
               </a:tabLst>
             </a:pPr>
-            <a:fld id="{ABA4072B-7375-41FF-B014-9D3045BE40E2}" type="slidenum">
+            <a:fld id="{CC1F8915-6BC5-432C-AFCE-66D35CB50F84}" type="slidenum">
               <a:rPr b="0" lang="es" sz="1000" spc="-1" strike="noStrike">
                 <a:solidFill>
                   <a:srgbClr val="595959"/>
@@ -3178,7 +4642,7 @@
         <p:spPr>
           <a:xfrm>
             <a:off x="118440" y="108000"/>
-            <a:ext cx="6178680" cy="447480"/>
+            <a:ext cx="6178320" cy="447120"/>
           </a:xfrm>
           <a:prstGeom prst="rect">
             <a:avLst/>
@@ -3226,8 +4690,8 @@
         </p:nvSpPr>
         <p:spPr>
           <a:xfrm>
-            <a:off x="457200" y="915120"/>
-            <a:ext cx="8000280" cy="3884760"/>
+            <a:off x="565200" y="1203120"/>
+            <a:ext cx="7999920" cy="2971080"/>
           </a:xfrm>
           <a:prstGeom prst="rect">
             <a:avLst/>
@@ -3313,7 +4777,7 @@
                 <a:latin typeface="Arial"/>
                 <a:ea typeface="Arial"/>
               </a:rPr>
-              <a:t>- Comandos uart: “a”, “d”, “p” y “r”</a:t>
+              <a:t>- Comandos por micro: “a”, “d”, “p” y “r”</a:t>
             </a:r>
             <a:endParaRPr b="0" lang="en-US" sz="2400" spc="-1" strike="noStrike">
               <a:latin typeface="Arial"/>
@@ -3399,44 +4863,765 @@
                 <a:latin typeface="Arial"/>
                 <a:ea typeface="Arial"/>
               </a:rPr>
-              <a:t>	</a:t>
-            </a:r>
-            <a:r>
-              <a:rPr b="1" lang="es" sz="2400" spc="-1" strike="noStrike">
-                <a:solidFill>
-                  <a:srgbClr val="4a86e8"/>
-                </a:solidFill>
-                <a:latin typeface="Arial"/>
-                <a:ea typeface="Arial"/>
-              </a:rPr>
-              <a:t>- Reset por hardware</a:t>
-            </a:r>
-            <a:endParaRPr b="0" lang="en-US" sz="2400" spc="-1" strike="noStrike">
-              <a:latin typeface="Arial"/>
-            </a:endParaRPr>
-          </a:p>
-          <a:p>
-            <a:pPr>
-              <a:lnSpc>
-                <a:spcPct val="100000"/>
-              </a:lnSpc>
-              <a:buNone/>
-              <a:tabLst>
-                <a:tab algn="l" pos="0"/>
-              </a:tabLst>
-            </a:pPr>
-            <a:r>
-              <a:rPr b="1" lang="es" sz="2400" spc="-1" strike="noStrike">
-                <a:solidFill>
-                  <a:srgbClr val="4a86e8"/>
-                </a:solidFill>
-                <a:latin typeface="Arial"/>
-                <a:ea typeface="Arial"/>
-              </a:rPr>
               <a:t>   </a:t>
             </a:r>
             <a:endParaRPr b="0" lang="en-US" sz="2400" spc="-1" strike="noStrike">
               <a:latin typeface="Arial"/>
+            </a:endParaRPr>
+          </a:p>
+        </p:txBody>
+      </p:sp>
+    </p:spTree>
+  </p:cSld>
+  <mc:AlternateContent>
+    <mc:Choice Requires="p14">
+      <p:transition spd="slow" p14:dur="2000"/>
+    </mc:Choice>
+    <mc:Fallback>
+      <p:transition spd="slow"/>
+    </mc:Fallback>
+  </mc:AlternateContent>
+</p:sld>
+</file>
+
+<file path=ppt/slides/slide20.xml><?xml version="1.0" encoding="utf-8"?>
+<p:sld xmlns:a="http://schemas.openxmlformats.org/drawingml/2006/main" xmlns:p="http://schemas.openxmlformats.org/presentationml/2006/main" xmlns:r="http://schemas.openxmlformats.org/officeDocument/2006/relationships" xmlns:p14="http://schemas.microsoft.com/office/powerpoint/2010/main" xmlns:p15="http://schemas.microsoft.com/office/powerpoint/2012/main" xmlns:mc="http://schemas.openxmlformats.org/markup-compatibility/2006">
+  <p:cSld>
+    <p:spTree>
+      <p:nvGrpSpPr>
+        <p:cNvPr id="1" name=""/>
+        <p:cNvGrpSpPr/>
+        <p:nvPr/>
+      </p:nvGrpSpPr>
+      <p:grpSpPr>
+        <a:xfrm>
+          <a:off x="0" y="0"/>
+          <a:ext cx="0" cy="0"/>
+          <a:chOff x="0" y="0"/>
+          <a:chExt cx="0" cy="0"/>
+        </a:xfrm>
+      </p:grpSpPr>
+      <p:pic>
+        <p:nvPicPr>
+          <p:cNvPr id="118" name="Google Shape;65;p 18" descr=""/>
+          <p:cNvPicPr/>
+          <p:nvPr/>
+        </p:nvPicPr>
+        <p:blipFill>
+          <a:blip r:embed="rId1">
+            <a:alphaModFix amt="20000"/>
+          </a:blip>
+          <a:stretch/>
+        </p:blipFill>
+        <p:spPr>
+          <a:xfrm>
+            <a:off x="6840" y="0"/>
+            <a:ext cx="9137160" cy="5136840"/>
+          </a:xfrm>
+          <a:prstGeom prst="rect">
+            <a:avLst/>
+          </a:prstGeom>
+          <a:ln w="0">
+            <a:noFill/>
+          </a:ln>
+        </p:spPr>
+      </p:pic>
+      <p:sp>
+        <p:nvSpPr>
+          <p:cNvPr id="119" name="PlaceHolder 1"/>
+          <p:cNvSpPr>
+            <a:spLocks noGrp="1"/>
+          </p:cNvSpPr>
+          <p:nvPr>
+            <p:ph type="sldNum" idx="21"/>
+          </p:nvPr>
+        </p:nvSpPr>
+        <p:spPr>
+          <a:xfrm>
+            <a:off x="8472600" y="4663080"/>
+            <a:ext cx="541800" cy="386640"/>
+          </a:xfrm>
+          <a:prstGeom prst="rect">
+            <a:avLst/>
+          </a:prstGeom>
+          <a:noFill/>
+          <a:ln w="0">
+            <a:noFill/>
+          </a:ln>
+        </p:spPr>
+        <p:txBody>
+          <a:bodyPr lIns="90000" rIns="90000" tIns="91440" bIns="91440" anchor="ctr">
+            <a:normAutofit/>
+          </a:bodyPr>
+          <a:lstStyle>
+            <a:lvl1pPr algn="r">
+              <a:lnSpc>
+                <a:spcPct val="100000"/>
+              </a:lnSpc>
+              <a:buNone/>
+              <a:tabLst>
+                <a:tab algn="l" pos="0"/>
+              </a:tabLst>
+              <a:defRPr b="0" lang="es" sz="1000" spc="-1" strike="noStrike">
+                <a:solidFill>
+                  <a:srgbClr val="595959"/>
+                </a:solidFill>
+                <a:latin typeface="Arial"/>
+                <a:ea typeface="Arial"/>
+              </a:defRPr>
+            </a:lvl1pPr>
+          </a:lstStyle>
+          <a:p>
+            <a:pPr algn="r">
+              <a:lnSpc>
+                <a:spcPct val="100000"/>
+              </a:lnSpc>
+              <a:buNone/>
+              <a:tabLst>
+                <a:tab algn="l" pos="0"/>
+              </a:tabLst>
+            </a:pPr>
+            <a:fld id="{08871E4D-5DD2-4D6D-9FF8-69A29392C7C2}" type="slidenum">
+              <a:rPr b="0" lang="es" sz="1000" spc="-1" strike="noStrike">
+                <a:solidFill>
+                  <a:srgbClr val="595959"/>
+                </a:solidFill>
+                <a:latin typeface="Arial"/>
+                <a:ea typeface="Arial"/>
+              </a:rPr>
+              <a:t>20</a:t>
+            </a:fld>
+            <a:endParaRPr b="0" lang="en-US" sz="1000" spc="-1" strike="noStrike">
+              <a:latin typeface="Times New Roman"/>
+            </a:endParaRPr>
+          </a:p>
+        </p:txBody>
+      </p:sp>
+      <p:sp>
+        <p:nvSpPr>
+          <p:cNvPr id="120" name="PlaceHolder 2"/>
+          <p:cNvSpPr>
+            <a:spLocks noGrp="1"/>
+          </p:cNvSpPr>
+          <p:nvPr>
+            <p:ph type="title"/>
+          </p:nvPr>
+        </p:nvSpPr>
+        <p:spPr>
+          <a:xfrm>
+            <a:off x="118440" y="108000"/>
+            <a:ext cx="8339760" cy="447120"/>
+          </a:xfrm>
+          <a:prstGeom prst="rect">
+            <a:avLst/>
+          </a:prstGeom>
+          <a:noFill/>
+          <a:ln w="0">
+            <a:noFill/>
+          </a:ln>
+        </p:spPr>
+        <p:txBody>
+          <a:bodyPr lIns="0" rIns="0" tIns="91440" bIns="91440" anchor="b">
+            <a:noAutofit/>
+          </a:bodyPr>
+          <a:p>
+            <a:pPr>
+              <a:lnSpc>
+                <a:spcPct val="100000"/>
+              </a:lnSpc>
+              <a:buNone/>
+              <a:tabLst>
+                <a:tab algn="l" pos="0"/>
+              </a:tabLst>
+            </a:pPr>
+            <a:r>
+              <a:rPr b="1" lang="es" sz="2790" spc="-1" strike="noStrike">
+                <a:solidFill>
+                  <a:srgbClr val="595959"/>
+                </a:solidFill>
+                <a:latin typeface="Arial"/>
+                <a:ea typeface="Arial"/>
+              </a:rPr>
+              <a:t>Archivo contador.c</a:t>
+            </a:r>
+            <a:endParaRPr b="0" lang="en-US" sz="2790" spc="-1" strike="noStrike">
+              <a:latin typeface="Arial"/>
+            </a:endParaRPr>
+          </a:p>
+        </p:txBody>
+      </p:sp>
+      <p:pic>
+        <p:nvPicPr>
+          <p:cNvPr id="121" name="" descr=""/>
+          <p:cNvPicPr/>
+          <p:nvPr/>
+        </p:nvPicPr>
+        <p:blipFill>
+          <a:blip r:embed="rId2"/>
+          <a:stretch/>
+        </p:blipFill>
+        <p:spPr>
+          <a:xfrm>
+            <a:off x="280440" y="799200"/>
+            <a:ext cx="8733960" cy="3647880"/>
+          </a:xfrm>
+          <a:prstGeom prst="rect">
+            <a:avLst/>
+          </a:prstGeom>
+          <a:ln w="0">
+            <a:noFill/>
+          </a:ln>
+        </p:spPr>
+      </p:pic>
+    </p:spTree>
+  </p:cSld>
+  <mc:AlternateContent>
+    <mc:Choice Requires="p14">
+      <p:transition spd="slow" p14:dur="2000"/>
+    </mc:Choice>
+    <mc:Fallback>
+      <p:transition spd="slow"/>
+    </mc:Fallback>
+  </mc:AlternateContent>
+</p:sld>
+</file>
+
+<file path=ppt/slides/slide21.xml><?xml version="1.0" encoding="utf-8"?>
+<p:sld xmlns:a="http://schemas.openxmlformats.org/drawingml/2006/main" xmlns:p="http://schemas.openxmlformats.org/presentationml/2006/main" xmlns:r="http://schemas.openxmlformats.org/officeDocument/2006/relationships" xmlns:p14="http://schemas.microsoft.com/office/powerpoint/2010/main" xmlns:p15="http://schemas.microsoft.com/office/powerpoint/2012/main" xmlns:mc="http://schemas.openxmlformats.org/markup-compatibility/2006">
+  <p:cSld>
+    <p:spTree>
+      <p:nvGrpSpPr>
+        <p:cNvPr id="1" name=""/>
+        <p:cNvGrpSpPr/>
+        <p:nvPr/>
+      </p:nvGrpSpPr>
+      <p:grpSpPr>
+        <a:xfrm>
+          <a:off x="0" y="0"/>
+          <a:ext cx="0" cy="0"/>
+          <a:chOff x="0" y="0"/>
+          <a:chExt cx="0" cy="0"/>
+        </a:xfrm>
+      </p:grpSpPr>
+      <p:pic>
+        <p:nvPicPr>
+          <p:cNvPr id="122" name="Google Shape;65;p 19" descr=""/>
+          <p:cNvPicPr/>
+          <p:nvPr/>
+        </p:nvPicPr>
+        <p:blipFill>
+          <a:blip r:embed="rId1">
+            <a:alphaModFix amt="20000"/>
+          </a:blip>
+          <a:stretch/>
+        </p:blipFill>
+        <p:spPr>
+          <a:xfrm>
+            <a:off x="6840" y="0"/>
+            <a:ext cx="9137160" cy="5136840"/>
+          </a:xfrm>
+          <a:prstGeom prst="rect">
+            <a:avLst/>
+          </a:prstGeom>
+          <a:ln w="0">
+            <a:noFill/>
+          </a:ln>
+        </p:spPr>
+      </p:pic>
+      <p:sp>
+        <p:nvSpPr>
+          <p:cNvPr id="123" name="PlaceHolder 1"/>
+          <p:cNvSpPr>
+            <a:spLocks noGrp="1"/>
+          </p:cNvSpPr>
+          <p:nvPr>
+            <p:ph type="sldNum" idx="22"/>
+          </p:nvPr>
+        </p:nvSpPr>
+        <p:spPr>
+          <a:xfrm>
+            <a:off x="8472600" y="4663080"/>
+            <a:ext cx="541800" cy="386640"/>
+          </a:xfrm>
+          <a:prstGeom prst="rect">
+            <a:avLst/>
+          </a:prstGeom>
+          <a:noFill/>
+          <a:ln w="0">
+            <a:noFill/>
+          </a:ln>
+        </p:spPr>
+        <p:txBody>
+          <a:bodyPr lIns="90000" rIns="90000" tIns="91440" bIns="91440" anchor="ctr">
+            <a:normAutofit/>
+          </a:bodyPr>
+          <a:lstStyle>
+            <a:lvl1pPr algn="r">
+              <a:lnSpc>
+                <a:spcPct val="100000"/>
+              </a:lnSpc>
+              <a:buNone/>
+              <a:tabLst>
+                <a:tab algn="l" pos="0"/>
+              </a:tabLst>
+              <a:defRPr b="0" lang="es" sz="1000" spc="-1" strike="noStrike">
+                <a:solidFill>
+                  <a:srgbClr val="595959"/>
+                </a:solidFill>
+                <a:latin typeface="Arial"/>
+                <a:ea typeface="Arial"/>
+              </a:defRPr>
+            </a:lvl1pPr>
+          </a:lstStyle>
+          <a:p>
+            <a:pPr algn="r">
+              <a:lnSpc>
+                <a:spcPct val="100000"/>
+              </a:lnSpc>
+              <a:buNone/>
+              <a:tabLst>
+                <a:tab algn="l" pos="0"/>
+              </a:tabLst>
+            </a:pPr>
+            <a:fld id="{01F59A4F-8BCB-492E-A1E9-620652F8E86C}" type="slidenum">
+              <a:rPr b="0" lang="es" sz="1000" spc="-1" strike="noStrike">
+                <a:solidFill>
+                  <a:srgbClr val="595959"/>
+                </a:solidFill>
+                <a:latin typeface="Arial"/>
+                <a:ea typeface="Arial"/>
+              </a:rPr>
+              <a:t>21</a:t>
+            </a:fld>
+            <a:endParaRPr b="0" lang="en-US" sz="1000" spc="-1" strike="noStrike">
+              <a:latin typeface="Times New Roman"/>
+            </a:endParaRPr>
+          </a:p>
+        </p:txBody>
+      </p:sp>
+      <p:sp>
+        <p:nvSpPr>
+          <p:cNvPr id="124" name="PlaceHolder 2"/>
+          <p:cNvSpPr>
+            <a:spLocks noGrp="1"/>
+          </p:cNvSpPr>
+          <p:nvPr>
+            <p:ph type="title"/>
+          </p:nvPr>
+        </p:nvSpPr>
+        <p:spPr>
+          <a:xfrm>
+            <a:off x="118440" y="108000"/>
+            <a:ext cx="8339760" cy="447120"/>
+          </a:xfrm>
+          <a:prstGeom prst="rect">
+            <a:avLst/>
+          </a:prstGeom>
+          <a:noFill/>
+          <a:ln w="0">
+            <a:noFill/>
+          </a:ln>
+        </p:spPr>
+        <p:txBody>
+          <a:bodyPr lIns="0" rIns="0" tIns="91440" bIns="91440" anchor="b">
+            <a:noAutofit/>
+          </a:bodyPr>
+          <a:p>
+            <a:pPr>
+              <a:lnSpc>
+                <a:spcPct val="100000"/>
+              </a:lnSpc>
+              <a:buNone/>
+              <a:tabLst>
+                <a:tab algn="l" pos="0"/>
+              </a:tabLst>
+            </a:pPr>
+            <a:r>
+              <a:rPr b="1" lang="es" sz="2790" spc="-1" strike="noStrike">
+                <a:solidFill>
+                  <a:srgbClr val="595959"/>
+                </a:solidFill>
+                <a:latin typeface="Arial"/>
+                <a:ea typeface="Arial"/>
+              </a:rPr>
+              <a:t>Archivo counter_ip.h</a:t>
+            </a:r>
+            <a:endParaRPr b="0" lang="en-US" sz="2790" spc="-1" strike="noStrike">
+              <a:latin typeface="Arial"/>
+            </a:endParaRPr>
+          </a:p>
+        </p:txBody>
+      </p:sp>
+      <p:pic>
+        <p:nvPicPr>
+          <p:cNvPr id="125" name="" descr=""/>
+          <p:cNvPicPr/>
+          <p:nvPr/>
+        </p:nvPicPr>
+        <p:blipFill>
+          <a:blip r:embed="rId2"/>
+          <a:stretch/>
+        </p:blipFill>
+        <p:spPr>
+          <a:xfrm>
+            <a:off x="1674720" y="878400"/>
+            <a:ext cx="5797080" cy="3657600"/>
+          </a:xfrm>
+          <a:prstGeom prst="rect">
+            <a:avLst/>
+          </a:prstGeom>
+          <a:ln w="0">
+            <a:noFill/>
+          </a:ln>
+        </p:spPr>
+      </p:pic>
+    </p:spTree>
+  </p:cSld>
+  <mc:AlternateContent>
+    <mc:Choice Requires="p14">
+      <p:transition spd="slow" p14:dur="2000"/>
+    </mc:Choice>
+    <mc:Fallback>
+      <p:transition spd="slow"/>
+    </mc:Fallback>
+  </mc:AlternateContent>
+</p:sld>
+</file>
+
+<file path=ppt/slides/slide22.xml><?xml version="1.0" encoding="utf-8"?>
+<p:sld xmlns:a="http://schemas.openxmlformats.org/drawingml/2006/main" xmlns:p="http://schemas.openxmlformats.org/presentationml/2006/main" xmlns:r="http://schemas.openxmlformats.org/officeDocument/2006/relationships" xmlns:p14="http://schemas.microsoft.com/office/powerpoint/2010/main" xmlns:p15="http://schemas.microsoft.com/office/powerpoint/2012/main" xmlns:mc="http://schemas.openxmlformats.org/markup-compatibility/2006">
+  <p:cSld>
+    <p:spTree>
+      <p:nvGrpSpPr>
+        <p:cNvPr id="1" name=""/>
+        <p:cNvGrpSpPr/>
+        <p:nvPr/>
+      </p:nvGrpSpPr>
+      <p:grpSpPr>
+        <a:xfrm>
+          <a:off x="0" y="0"/>
+          <a:ext cx="0" cy="0"/>
+          <a:chOff x="0" y="0"/>
+          <a:chExt cx="0" cy="0"/>
+        </a:xfrm>
+      </p:grpSpPr>
+      <p:pic>
+        <p:nvPicPr>
+          <p:cNvPr id="126" name="Google Shape;65;p 20" descr=""/>
+          <p:cNvPicPr/>
+          <p:nvPr/>
+        </p:nvPicPr>
+        <p:blipFill>
+          <a:blip r:embed="rId1">
+            <a:alphaModFix amt="20000"/>
+          </a:blip>
+          <a:stretch/>
+        </p:blipFill>
+        <p:spPr>
+          <a:xfrm>
+            <a:off x="6840" y="0"/>
+            <a:ext cx="9137160" cy="5136840"/>
+          </a:xfrm>
+          <a:prstGeom prst="rect">
+            <a:avLst/>
+          </a:prstGeom>
+          <a:ln w="0">
+            <a:noFill/>
+          </a:ln>
+        </p:spPr>
+      </p:pic>
+      <p:sp>
+        <p:nvSpPr>
+          <p:cNvPr id="127" name="PlaceHolder 1"/>
+          <p:cNvSpPr>
+            <a:spLocks noGrp="1"/>
+          </p:cNvSpPr>
+          <p:nvPr>
+            <p:ph type="sldNum" idx="23"/>
+          </p:nvPr>
+        </p:nvSpPr>
+        <p:spPr>
+          <a:xfrm>
+            <a:off x="8472600" y="4663080"/>
+            <a:ext cx="541800" cy="386640"/>
+          </a:xfrm>
+          <a:prstGeom prst="rect">
+            <a:avLst/>
+          </a:prstGeom>
+          <a:noFill/>
+          <a:ln w="0">
+            <a:noFill/>
+          </a:ln>
+        </p:spPr>
+        <p:txBody>
+          <a:bodyPr lIns="90000" rIns="90000" tIns="91440" bIns="91440" anchor="ctr">
+            <a:normAutofit/>
+          </a:bodyPr>
+          <a:lstStyle>
+            <a:lvl1pPr algn="r">
+              <a:lnSpc>
+                <a:spcPct val="100000"/>
+              </a:lnSpc>
+              <a:buNone/>
+              <a:tabLst>
+                <a:tab algn="l" pos="0"/>
+              </a:tabLst>
+              <a:defRPr b="0" lang="es" sz="1000" spc="-1" strike="noStrike">
+                <a:solidFill>
+                  <a:srgbClr val="595959"/>
+                </a:solidFill>
+                <a:latin typeface="Arial"/>
+                <a:ea typeface="Arial"/>
+              </a:defRPr>
+            </a:lvl1pPr>
+          </a:lstStyle>
+          <a:p>
+            <a:pPr algn="r">
+              <a:lnSpc>
+                <a:spcPct val="100000"/>
+              </a:lnSpc>
+              <a:buNone/>
+              <a:tabLst>
+                <a:tab algn="l" pos="0"/>
+              </a:tabLst>
+            </a:pPr>
+            <a:fld id="{9934A043-9F49-4736-BA0A-FBD0D0E9CE63}" type="slidenum">
+              <a:rPr b="0" lang="es" sz="1000" spc="-1" strike="noStrike">
+                <a:solidFill>
+                  <a:srgbClr val="595959"/>
+                </a:solidFill>
+                <a:latin typeface="Arial"/>
+                <a:ea typeface="Arial"/>
+              </a:rPr>
+              <a:t>22</a:t>
+            </a:fld>
+            <a:endParaRPr b="0" lang="en-US" sz="1000" spc="-1" strike="noStrike">
+              <a:latin typeface="Times New Roman"/>
+            </a:endParaRPr>
+          </a:p>
+        </p:txBody>
+      </p:sp>
+      <p:sp>
+        <p:nvSpPr>
+          <p:cNvPr id="128" name="PlaceHolder 2"/>
+          <p:cNvSpPr>
+            <a:spLocks noGrp="1"/>
+          </p:cNvSpPr>
+          <p:nvPr>
+            <p:ph type="title"/>
+          </p:nvPr>
+        </p:nvSpPr>
+        <p:spPr>
+          <a:xfrm>
+            <a:off x="118440" y="108000"/>
+            <a:ext cx="8339760" cy="447120"/>
+          </a:xfrm>
+          <a:prstGeom prst="rect">
+            <a:avLst/>
+          </a:prstGeom>
+          <a:noFill/>
+          <a:ln w="0">
+            <a:noFill/>
+          </a:ln>
+        </p:spPr>
+        <p:txBody>
+          <a:bodyPr lIns="0" rIns="0" tIns="91440" bIns="91440" anchor="b">
+            <a:noAutofit/>
+          </a:bodyPr>
+          <a:p>
+            <a:pPr>
+              <a:lnSpc>
+                <a:spcPct val="100000"/>
+              </a:lnSpc>
+              <a:buNone/>
+              <a:tabLst>
+                <a:tab algn="l" pos="0"/>
+              </a:tabLst>
+            </a:pPr>
+            <a:r>
+              <a:rPr b="1" lang="es" sz="2790" spc="-1" strike="noStrike">
+                <a:solidFill>
+                  <a:srgbClr val="595959"/>
+                </a:solidFill>
+                <a:latin typeface="Arial"/>
+                <a:ea typeface="Arial"/>
+              </a:rPr>
+              <a:t>Archivo xparameters.h</a:t>
+            </a:r>
+            <a:endParaRPr b="0" lang="en-US" sz="2790" spc="-1" strike="noStrike">
+              <a:latin typeface="Arial"/>
+            </a:endParaRPr>
+          </a:p>
+        </p:txBody>
+      </p:sp>
+      <p:pic>
+        <p:nvPicPr>
+          <p:cNvPr id="129" name="" descr=""/>
+          <p:cNvPicPr/>
+          <p:nvPr/>
+        </p:nvPicPr>
+        <p:blipFill>
+          <a:blip r:embed="rId2"/>
+          <a:stretch/>
+        </p:blipFill>
+        <p:spPr>
+          <a:xfrm>
+            <a:off x="613080" y="1143000"/>
+            <a:ext cx="7917120" cy="2971800"/>
+          </a:xfrm>
+          <a:prstGeom prst="rect">
+            <a:avLst/>
+          </a:prstGeom>
+          <a:ln w="0">
+            <a:noFill/>
+          </a:ln>
+        </p:spPr>
+      </p:pic>
+    </p:spTree>
+  </p:cSld>
+  <mc:AlternateContent>
+    <mc:Choice Requires="p14">
+      <p:transition spd="slow" p14:dur="2000"/>
+    </mc:Choice>
+    <mc:Fallback>
+      <p:transition spd="slow"/>
+    </mc:Fallback>
+  </mc:AlternateContent>
+</p:sld>
+</file>
+
+<file path=ppt/slides/slide23.xml><?xml version="1.0" encoding="utf-8"?>
+<p:sld xmlns:a="http://schemas.openxmlformats.org/drawingml/2006/main" xmlns:p="http://schemas.openxmlformats.org/presentationml/2006/main" xmlns:r="http://schemas.openxmlformats.org/officeDocument/2006/relationships" xmlns:p14="http://schemas.microsoft.com/office/powerpoint/2010/main" xmlns:p15="http://schemas.microsoft.com/office/powerpoint/2012/main" xmlns:mc="http://schemas.openxmlformats.org/markup-compatibility/2006">
+  <p:cSld>
+    <p:spTree>
+      <p:nvGrpSpPr>
+        <p:cNvPr id="1" name=""/>
+        <p:cNvGrpSpPr/>
+        <p:nvPr/>
+      </p:nvGrpSpPr>
+      <p:grpSpPr>
+        <a:xfrm>
+          <a:off x="0" y="0"/>
+          <a:ext cx="0" cy="0"/>
+          <a:chOff x="0" y="0"/>
+          <a:chExt cx="0" cy="0"/>
+        </a:xfrm>
+      </p:grpSpPr>
+      <p:pic>
+        <p:nvPicPr>
+          <p:cNvPr id="130" name="Google Shape;295;p36" descr=""/>
+          <p:cNvPicPr/>
+          <p:nvPr/>
+        </p:nvPicPr>
+        <p:blipFill>
+          <a:blip r:embed="rId1">
+            <a:alphaModFix amt="20000"/>
+          </a:blip>
+          <a:stretch/>
+        </p:blipFill>
+        <p:spPr>
+          <a:xfrm>
+            <a:off x="0" y="0"/>
+            <a:ext cx="9137160" cy="5136840"/>
+          </a:xfrm>
+          <a:prstGeom prst="rect">
+            <a:avLst/>
+          </a:prstGeom>
+          <a:ln w="0">
+            <a:noFill/>
+          </a:ln>
+        </p:spPr>
+      </p:pic>
+      <p:pic>
+        <p:nvPicPr>
+          <p:cNvPr id="131" name="Google Shape;296;p36" descr=""/>
+          <p:cNvPicPr/>
+          <p:nvPr/>
+        </p:nvPicPr>
+        <p:blipFill>
+          <a:blip r:embed="rId2"/>
+          <a:stretch/>
+        </p:blipFill>
+        <p:spPr>
+          <a:xfrm>
+            <a:off x="2304000" y="1191600"/>
+            <a:ext cx="4853880" cy="2726280"/>
+          </a:xfrm>
+          <a:prstGeom prst="rect">
+            <a:avLst/>
+          </a:prstGeom>
+          <a:ln w="0">
+            <a:noFill/>
+          </a:ln>
+        </p:spPr>
+      </p:pic>
+      <p:sp>
+        <p:nvSpPr>
+          <p:cNvPr id="132" name="PlaceHolder 1"/>
+          <p:cNvSpPr>
+            <a:spLocks noGrp="1"/>
+          </p:cNvSpPr>
+          <p:nvPr>
+            <p:ph type="sldNum" idx="24"/>
+          </p:nvPr>
+        </p:nvSpPr>
+        <p:spPr>
+          <a:xfrm>
+            <a:off x="8472600" y="4663080"/>
+            <a:ext cx="541800" cy="386640"/>
+          </a:xfrm>
+          <a:prstGeom prst="rect">
+            <a:avLst/>
+          </a:prstGeom>
+          <a:noFill/>
+          <a:ln w="0">
+            <a:noFill/>
+          </a:ln>
+        </p:spPr>
+        <p:txBody>
+          <a:bodyPr lIns="90000" rIns="90000" tIns="91440" bIns="91440" anchor="ctr">
+            <a:normAutofit/>
+          </a:bodyPr>
+          <a:lstStyle>
+            <a:lvl1pPr algn="r">
+              <a:lnSpc>
+                <a:spcPct val="100000"/>
+              </a:lnSpc>
+              <a:buNone/>
+              <a:tabLst>
+                <a:tab algn="l" pos="0"/>
+              </a:tabLst>
+              <a:defRPr b="0" lang="es" sz="1000" spc="-1" strike="noStrike">
+                <a:solidFill>
+                  <a:srgbClr val="595959"/>
+                </a:solidFill>
+                <a:latin typeface="Arial"/>
+                <a:ea typeface="Arial"/>
+              </a:defRPr>
+            </a:lvl1pPr>
+          </a:lstStyle>
+          <a:p>
+            <a:pPr algn="r">
+              <a:lnSpc>
+                <a:spcPct val="100000"/>
+              </a:lnSpc>
+              <a:buNone/>
+              <a:tabLst>
+                <a:tab algn="l" pos="0"/>
+              </a:tabLst>
+            </a:pPr>
+            <a:fld id="{59FD1BA5-779B-4D88-B359-273EE760F5E3}" type="slidenum">
+              <a:rPr b="0" lang="es" sz="1000" spc="-1" strike="noStrike">
+                <a:solidFill>
+                  <a:srgbClr val="595959"/>
+                </a:solidFill>
+                <a:latin typeface="Arial"/>
+                <a:ea typeface="Arial"/>
+              </a:rPr>
+              <a:t>&lt;número&gt;</a:t>
+            </a:fld>
+            <a:endParaRPr b="0" lang="en-US" sz="1000" spc="-1" strike="noStrike">
+              <a:latin typeface="Times New Roman"/>
             </a:endParaRPr>
           </a:p>
         </p:txBody>
@@ -3486,7 +5671,7 @@
         <p:spPr>
           <a:xfrm>
             <a:off x="2520" y="0"/>
-            <a:ext cx="9137520" cy="5137200"/>
+            <a:ext cx="9137160" cy="5136840"/>
           </a:xfrm>
           <a:prstGeom prst="rect">
             <a:avLst/>
@@ -3509,7 +5694,7 @@
         <p:spPr>
           <a:xfrm>
             <a:off x="8472600" y="4663080"/>
-            <a:ext cx="542160" cy="387000"/>
+            <a:ext cx="541800" cy="386640"/>
           </a:xfrm>
           <a:prstGeom prst="rect">
             <a:avLst/>
@@ -3551,7 +5736,7 @@
                 <a:tab algn="l" pos="0"/>
               </a:tabLst>
             </a:pPr>
-            <a:fld id="{C3A5FD77-8003-4569-98E6-9606C71B7F8D}" type="slidenum">
+            <a:fld id="{F8286C83-BCE4-4059-AE0F-1C8396949D06}" type="slidenum">
               <a:rPr b="0" lang="es" sz="1000" spc="-1" strike="noStrike">
                 <a:solidFill>
                   <a:srgbClr val="595959"/>
@@ -3580,7 +5765,7 @@
         <p:spPr>
           <a:xfrm>
             <a:off x="118440" y="108000"/>
-            <a:ext cx="6178680" cy="447480"/>
+            <a:ext cx="6178320" cy="447120"/>
           </a:xfrm>
           <a:prstGeom prst="rect">
             <a:avLst/>
@@ -3632,8 +5817,8 @@
         </p:blipFill>
         <p:spPr>
           <a:xfrm>
-            <a:off x="457200" y="1143360"/>
-            <a:ext cx="7833960" cy="2513520"/>
+            <a:off x="2057400" y="986400"/>
+            <a:ext cx="4848480" cy="3295080"/>
           </a:xfrm>
           <a:prstGeom prst="rect">
             <a:avLst/>
@@ -3688,7 +5873,7 @@
         <p:spPr>
           <a:xfrm>
             <a:off x="2520" y="0"/>
-            <a:ext cx="9137520" cy="5137200"/>
+            <a:ext cx="9137160" cy="5136840"/>
           </a:xfrm>
           <a:prstGeom prst="rect">
             <a:avLst/>
@@ -3711,7 +5896,7 @@
         <p:spPr>
           <a:xfrm>
             <a:off x="8472600" y="4663080"/>
-            <a:ext cx="542160" cy="387000"/>
+            <a:ext cx="541800" cy="386640"/>
           </a:xfrm>
           <a:prstGeom prst="rect">
             <a:avLst/>
@@ -3753,7 +5938,7 @@
                 <a:tab algn="l" pos="0"/>
               </a:tabLst>
             </a:pPr>
-            <a:fld id="{A28C44C1-25D2-42B8-851E-04EDD1374652}" type="slidenum">
+            <a:fld id="{2BFAC489-D9B2-423D-ACBA-5ECF5425B133}" type="slidenum">
               <a:rPr b="0" lang="es" sz="1000" spc="-1" strike="noStrike">
                 <a:solidFill>
                   <a:srgbClr val="595959"/>
@@ -3782,7 +5967,7 @@
         <p:spPr>
           <a:xfrm>
             <a:off x="118440" y="108000"/>
-            <a:ext cx="6178680" cy="447480"/>
+            <a:ext cx="6178320" cy="447120"/>
           </a:xfrm>
           <a:prstGeom prst="rect">
             <a:avLst/>
@@ -3814,7 +5999,7 @@
                 <a:latin typeface="Arial"/>
                 <a:ea typeface="Arial"/>
               </a:rPr>
-              <a:t>Diagrama en bloques inicial</a:t>
+              <a:t>Diagrama en bloques CLP</a:t>
             </a:r>
             <a:endParaRPr b="0" lang="en-US" sz="2790" spc="-1" strike="noStrike">
               <a:latin typeface="Arial"/>
@@ -3834,8 +6019,8 @@
         </p:blipFill>
         <p:spPr>
           <a:xfrm>
-            <a:off x="74520" y="1371600"/>
-            <a:ext cx="8912520" cy="2377080"/>
+            <a:off x="146520" y="1371600"/>
+            <a:ext cx="8912160" cy="2376720"/>
           </a:xfrm>
           <a:prstGeom prst="rect">
             <a:avLst/>
@@ -3890,7 +6075,7 @@
         <p:spPr>
           <a:xfrm>
             <a:off x="6480" y="0"/>
-            <a:ext cx="9137520" cy="5137200"/>
+            <a:ext cx="9137160" cy="5136840"/>
           </a:xfrm>
           <a:prstGeom prst="rect">
             <a:avLst/>
@@ -3913,7 +6098,7 @@
         <p:spPr>
           <a:xfrm>
             <a:off x="8472600" y="4663080"/>
-            <a:ext cx="542160" cy="387000"/>
+            <a:ext cx="541800" cy="386640"/>
           </a:xfrm>
           <a:prstGeom prst="rect">
             <a:avLst/>
@@ -3955,7 +6140,7 @@
                 <a:tab algn="l" pos="0"/>
               </a:tabLst>
             </a:pPr>
-            <a:fld id="{99E1E6D3-099C-4F8F-B90F-1E018F83B59A}" type="slidenum">
+            <a:fld id="{27F08B6E-44C8-4BD5-B3AC-AD2BFF48ABF2}" type="slidenum">
               <a:rPr b="0" lang="es" sz="1000" spc="-1" strike="noStrike">
                 <a:solidFill>
                   <a:srgbClr val="595959"/>
@@ -3984,7 +6169,7 @@
         <p:spPr>
           <a:xfrm>
             <a:off x="118440" y="108000"/>
-            <a:ext cx="6178680" cy="447480"/>
+            <a:ext cx="7196760" cy="447120"/>
           </a:xfrm>
           <a:prstGeom prst="rect">
             <a:avLst/>
@@ -4016,7 +6201,7 @@
                 <a:latin typeface="Arial"/>
                 <a:ea typeface="Arial"/>
               </a:rPr>
-              <a:t>Diagrama en bloques modificado</a:t>
+              <a:t>Diagrama en bloques MyS (counter_ip)</a:t>
             </a:r>
             <a:endParaRPr b="0" lang="en-US" sz="2790" spc="-1" strike="noStrike">
               <a:latin typeface="Arial"/>
@@ -4036,8 +6221,8 @@
         </p:blipFill>
         <p:spPr>
           <a:xfrm>
-            <a:off x="-2160" y="1263600"/>
-            <a:ext cx="9110160" cy="2743200"/>
+            <a:off x="105840" y="1249560"/>
+            <a:ext cx="8917560" cy="2684880"/>
           </a:xfrm>
           <a:prstGeom prst="rect">
             <a:avLst/>
@@ -4092,7 +6277,7 @@
         <p:spPr>
           <a:xfrm>
             <a:off x="5400" y="0"/>
-            <a:ext cx="9137520" cy="5137200"/>
+            <a:ext cx="9137160" cy="5136840"/>
           </a:xfrm>
           <a:prstGeom prst="rect">
             <a:avLst/>
@@ -4115,7 +6300,7 @@
         <p:spPr>
           <a:xfrm>
             <a:off x="8472600" y="4663080"/>
-            <a:ext cx="542160" cy="387000"/>
+            <a:ext cx="541800" cy="386640"/>
           </a:xfrm>
           <a:prstGeom prst="rect">
             <a:avLst/>
@@ -4157,7 +6342,7 @@
                 <a:tab algn="l" pos="0"/>
               </a:tabLst>
             </a:pPr>
-            <a:fld id="{03E1873A-B513-4587-9484-42A7B44A1AA3}" type="slidenum">
+            <a:fld id="{0E9D88EF-C837-4461-973D-32E3D4A26989}" type="slidenum">
               <a:rPr b="0" lang="es" sz="1000" spc="-1" strike="noStrike">
                 <a:solidFill>
                   <a:srgbClr val="595959"/>
@@ -4186,7 +6371,7 @@
         <p:spPr>
           <a:xfrm>
             <a:off x="118440" y="108000"/>
-            <a:ext cx="6178680" cy="447480"/>
+            <a:ext cx="6178320" cy="447120"/>
           </a:xfrm>
           <a:prstGeom prst="rect">
             <a:avLst/>
@@ -4238,8 +6423,8 @@
         </p:blipFill>
         <p:spPr>
           <a:xfrm>
-            <a:off x="146520" y="999000"/>
-            <a:ext cx="8858160" cy="3036600"/>
+            <a:off x="182520" y="999000"/>
+            <a:ext cx="8857800" cy="3036240"/>
           </a:xfrm>
           <a:prstGeom prst="rect">
             <a:avLst/>
@@ -4294,7 +6479,7 @@
         <p:spPr>
           <a:xfrm>
             <a:off x="5400" y="5400"/>
-            <a:ext cx="9137520" cy="5137200"/>
+            <a:ext cx="9137160" cy="5136840"/>
           </a:xfrm>
           <a:prstGeom prst="rect">
             <a:avLst/>
@@ -4317,7 +6502,7 @@
         <p:spPr>
           <a:xfrm>
             <a:off x="8472600" y="4663080"/>
-            <a:ext cx="542160" cy="387000"/>
+            <a:ext cx="541800" cy="386640"/>
           </a:xfrm>
           <a:prstGeom prst="rect">
             <a:avLst/>
@@ -4359,7 +6544,7 @@
                 <a:tab algn="l" pos="0"/>
               </a:tabLst>
             </a:pPr>
-            <a:fld id="{9346AAB2-B534-4271-BA37-E8698A4F2963}" type="slidenum">
+            <a:fld id="{78B590D8-80FB-497A-AD3B-72783B79901C}" type="slidenum">
               <a:rPr b="0" lang="es" sz="1000" spc="-1" strike="noStrike">
                 <a:solidFill>
                   <a:srgbClr val="595959"/>
@@ -4388,7 +6573,7 @@
         <p:spPr>
           <a:xfrm>
             <a:off x="118440" y="108000"/>
-            <a:ext cx="6178680" cy="447480"/>
+            <a:ext cx="6178320" cy="447120"/>
           </a:xfrm>
           <a:prstGeom prst="rect">
             <a:avLst/>
@@ -4441,7 +6626,7 @@
         <p:spPr>
           <a:xfrm>
             <a:off x="1371600" y="685800"/>
-            <a:ext cx="6828120" cy="4256280"/>
+            <a:ext cx="6827760" cy="4255920"/>
           </a:xfrm>
           <a:prstGeom prst="rect">
             <a:avLst/>
@@ -4496,7 +6681,7 @@
         <p:spPr>
           <a:xfrm>
             <a:off x="2520" y="0"/>
-            <a:ext cx="9137520" cy="5137200"/>
+            <a:ext cx="9137160" cy="5136840"/>
           </a:xfrm>
           <a:prstGeom prst="rect">
             <a:avLst/>
@@ -4519,7 +6704,7 @@
         <p:spPr>
           <a:xfrm>
             <a:off x="8472600" y="4663080"/>
-            <a:ext cx="542160" cy="387000"/>
+            <a:ext cx="541800" cy="386640"/>
           </a:xfrm>
           <a:prstGeom prst="rect">
             <a:avLst/>
@@ -4561,7 +6746,7 @@
                 <a:tab algn="l" pos="0"/>
               </a:tabLst>
             </a:pPr>
-            <a:fld id="{F9E41777-D8B4-4A93-9091-A5E0DBDB0079}" type="slidenum">
+            <a:fld id="{60AC29FF-0510-4D9B-B2F6-D3AF85221752}" type="slidenum">
               <a:rPr b="0" lang="es" sz="1000" spc="-1" strike="noStrike">
                 <a:solidFill>
                   <a:srgbClr val="595959"/>
@@ -4590,7 +6775,7 @@
         <p:spPr>
           <a:xfrm>
             <a:off x="118440" y="108000"/>
-            <a:ext cx="6178680" cy="447480"/>
+            <a:ext cx="6178320" cy="447120"/>
           </a:xfrm>
           <a:prstGeom prst="rect">
             <a:avLst/>
@@ -4643,7 +6828,7 @@
         <p:spPr>
           <a:xfrm>
             <a:off x="604440" y="556560"/>
-            <a:ext cx="7867080" cy="4371120"/>
+            <a:ext cx="7866720" cy="4370760"/>
           </a:xfrm>
           <a:prstGeom prst="rect">
             <a:avLst/>
@@ -4698,7 +6883,7 @@
         <p:spPr>
           <a:xfrm>
             <a:off x="2520" y="0"/>
-            <a:ext cx="9137520" cy="5137200"/>
+            <a:ext cx="9137160" cy="5136840"/>
           </a:xfrm>
           <a:prstGeom prst="rect">
             <a:avLst/>
@@ -4721,7 +6906,7 @@
         <p:spPr>
           <a:xfrm>
             <a:off x="8472600" y="4663080"/>
-            <a:ext cx="542160" cy="387000"/>
+            <a:ext cx="541800" cy="386640"/>
           </a:xfrm>
           <a:prstGeom prst="rect">
             <a:avLst/>
@@ -4763,7 +6948,7 @@
                 <a:tab algn="l" pos="0"/>
               </a:tabLst>
             </a:pPr>
-            <a:fld id="{63D45BEA-4C5E-45AF-9233-C9E8EC54F1E7}" type="slidenum">
+            <a:fld id="{18980584-96BE-44E5-98F4-06F03BF5E267}" type="slidenum">
               <a:rPr b="0" lang="es" sz="1000" spc="-1" strike="noStrike">
                 <a:solidFill>
                   <a:srgbClr val="595959"/>
@@ -4792,7 +6977,7 @@
         <p:spPr>
           <a:xfrm>
             <a:off x="118440" y="108000"/>
-            <a:ext cx="6178680" cy="447480"/>
+            <a:ext cx="6178320" cy="447120"/>
           </a:xfrm>
           <a:prstGeom prst="rect">
             <a:avLst/>
@@ -4844,8 +7029,8 @@
         </p:blipFill>
         <p:spPr>
           <a:xfrm>
-            <a:off x="130680" y="886320"/>
-            <a:ext cx="8784000" cy="3227760"/>
+            <a:off x="166680" y="886320"/>
+            <a:ext cx="8783640" cy="3227400"/>
           </a:xfrm>
           <a:prstGeom prst="rect">
             <a:avLst/>
